--- a/TheJavaReflectionAPITutorial.pptx
+++ b/TheJavaReflectionAPITutorial.pptx
@@ -3,21 +3,18 @@
 <p:presentation xmlns:a="http://schemas.openxmlformats.org/drawingml/2006/main" xmlns:r="http://schemas.openxmlformats.org/officeDocument/2006/relationships" xmlns:p="http://schemas.openxmlformats.org/presentationml/2006/main" saveSubsetFonts="1">
   <p:sldMasterIdLst>
     <p:sldMasterId id="2147483696" r:id="rId1"/>
-    <p:sldMasterId id="2147483714" r:id="rId2"/>
   </p:sldMasterIdLst>
   <p:notesMasterIdLst>
-    <p:notesMasterId r:id="rId12"/>
+    <p:notesMasterId r:id="rId9"/>
   </p:notesMasterIdLst>
   <p:sldIdLst>
-    <p:sldId id="256" r:id="rId3"/>
-    <p:sldId id="257" r:id="rId4"/>
-    <p:sldId id="258" r:id="rId5"/>
-    <p:sldId id="259" r:id="rId6"/>
-    <p:sldId id="260" r:id="rId7"/>
-    <p:sldId id="262" r:id="rId8"/>
-    <p:sldId id="263" r:id="rId9"/>
-    <p:sldId id="264" r:id="rId10"/>
-    <p:sldId id="265" r:id="rId11"/>
+    <p:sldId id="258" r:id="rId2"/>
+    <p:sldId id="259" r:id="rId3"/>
+    <p:sldId id="260" r:id="rId4"/>
+    <p:sldId id="262" r:id="rId5"/>
+    <p:sldId id="263" r:id="rId6"/>
+    <p:sldId id="264" r:id="rId7"/>
+    <p:sldId id="265" r:id="rId8"/>
   </p:sldIdLst>
   <p:sldSz cx="12192000" cy="6858000"/>
   <p:notesSz cx="6858000" cy="9144000"/>
@@ -473,111 +470,6 @@
 </p:notesMaster>
 </file>
 
-<file path=ppt/notesSlides/notesSlide1.xml><?xml version="1.0" encoding="utf-8"?>
-<p:notes xmlns:a="http://schemas.openxmlformats.org/drawingml/2006/main" xmlns:r="http://schemas.openxmlformats.org/officeDocument/2006/relationships" xmlns:p="http://schemas.openxmlformats.org/presentationml/2006/main">
-  <p:cSld>
-    <p:spTree>
-      <p:nvGrpSpPr>
-        <p:cNvPr id="1" name=""/>
-        <p:cNvGrpSpPr/>
-        <p:nvPr/>
-      </p:nvGrpSpPr>
-      <p:grpSpPr>
-        <a:xfrm>
-          <a:off x="0" y="0"/>
-          <a:ext cx="0" cy="0"/>
-          <a:chOff x="0" y="0"/>
-          <a:chExt cx="0" cy="0"/>
-        </a:xfrm>
-      </p:grpSpPr>
-      <p:sp>
-        <p:nvSpPr>
-          <p:cNvPr id="2" name="Slide Image Placeholder 1"/>
-          <p:cNvSpPr>
-            <a:spLocks noGrp="1" noRot="1" noChangeAspect="1"/>
-          </p:cNvSpPr>
-          <p:nvPr>
-            <p:ph type="sldImg"/>
-          </p:nvPr>
-        </p:nvSpPr>
-        <p:spPr/>
-      </p:sp>
-      <p:sp>
-        <p:nvSpPr>
-          <p:cNvPr id="3" name="Notes Placeholder 2"/>
-          <p:cNvSpPr>
-            <a:spLocks noGrp="1"/>
-          </p:cNvSpPr>
-          <p:nvPr>
-            <p:ph type="body" idx="1"/>
-          </p:nvPr>
-        </p:nvSpPr>
-        <p:spPr/>
-        <p:txBody>
-          <a:bodyPr/>
-          <a:lstStyle/>
-          <a:p>
-            <a:r>
-              <a:rPr lang="en-US" dirty="0"/>
-              <a:t>QuickStarter has created an outline to help you get started on your presentation. Some slides include information here in the notes to provide additional topics for you to research.</a:t>
-            </a:r>
-          </a:p>
-          <a:p>
-            <a:endParaRPr lang="en-US" dirty="0"/>
-          </a:p>
-          <a:p>
-            <a:r>
-              <a:rPr lang="en-US" dirty="0"/>
-              <a:t>Summary:</a:t>
-            </a:r>
-          </a:p>
-          <a:p>
-            <a:r>
-              <a:rPr lang="en-US" dirty="0"/>
-              <a:t>Computer programming is the process of designing and building an executable computer program for accomplishing a specific computing task. Programming involves tasks such as analysis, generating algorithms, profiling algorithms' accuracy and resource consumption, and the implementation of algorithms in a chosen programming language. The source code of a program is written in one or more programming languages. The purpose of programming is to find a sequence of instructions that will automate the performance of a task for solving a given problem. The process of programming thus often requires expertise in several different subjects, including knowledge of the application domain, specialized algorithms, and formal logic.</a:t>
-            </a:r>
-          </a:p>
-          <a:p>
-            <a:endParaRPr lang="en-US" dirty="0"/>
-          </a:p>
-        </p:txBody>
-      </p:sp>
-      <p:sp>
-        <p:nvSpPr>
-          <p:cNvPr id="4" name="Slide Number Placeholder 3"/>
-          <p:cNvSpPr>
-            <a:spLocks noGrp="1"/>
-          </p:cNvSpPr>
-          <p:nvPr>
-            <p:ph type="sldNum" sz="quarter" idx="10"/>
-          </p:nvPr>
-        </p:nvSpPr>
-        <p:spPr/>
-        <p:txBody>
-          <a:bodyPr/>
-          <a:lstStyle/>
-          <a:p>
-            <a:fld id="{E0746DE6-3336-457D-A091-FA20AC1C536E}" type="slidenum">
-              <a:rPr lang="en-US" smtClean="0"/>
-              <a:t>1</a:t>
-            </a:fld>
-            <a:endParaRPr lang="en-US"/>
-          </a:p>
-        </p:txBody>
-      </p:sp>
-    </p:spTree>
-    <p:extLst>
-      <p:ext uri="{BB962C8B-B14F-4D97-AF65-F5344CB8AC3E}">
-        <p14:creationId xmlns:p14="http://schemas.microsoft.com/office/powerpoint/2010/main" val="180016632"/>
-      </p:ext>
-    </p:extLst>
-  </p:cSld>
-  <p:clrMapOvr>
-    <a:masterClrMapping/>
-  </p:clrMapOvr>
-</p:notes>
-</file>
-
 <file path=ppt/slideLayouts/slideLayout1.xml><?xml version="1.0" encoding="utf-8"?>
 <p:sldLayout xmlns:a="http://schemas.openxmlformats.org/drawingml/2006/main" xmlns:r="http://schemas.openxmlformats.org/officeDocument/2006/relationships" xmlns:p="http://schemas.openxmlformats.org/presentationml/2006/main" showMasterSp="0" type="title" preserve="1">
   <p:cSld name="Title Slide">
@@ -3453,279 +3345,6 @@
     <p:extLst>
       <p:ext uri="{BB962C8B-B14F-4D97-AF65-F5344CB8AC3E}">
         <p14:creationId xmlns:p14="http://schemas.microsoft.com/office/powerpoint/2010/main" val="433499950"/>
-      </p:ext>
-    </p:extLst>
-  </p:cSld>
-  <p:clrMapOvr>
-    <a:masterClrMapping/>
-  </p:clrMapOvr>
-</p:sldLayout>
-</file>
-
-<file path=ppt/slideLayouts/slideLayout18.xml><?xml version="1.0" encoding="utf-8"?>
-<p:sldLayout xmlns:a="http://schemas.openxmlformats.org/drawingml/2006/main" xmlns:r="http://schemas.openxmlformats.org/officeDocument/2006/relationships" xmlns:p="http://schemas.openxmlformats.org/presentationml/2006/main" preserve="1" userDrawn="1">
-  <p:cSld name="Title and Content">
-    <p:spTree>
-      <p:nvGrpSpPr>
-        <p:cNvPr id="1" name=""/>
-        <p:cNvGrpSpPr/>
-        <p:nvPr/>
-      </p:nvGrpSpPr>
-      <p:grpSpPr>
-        <a:xfrm>
-          <a:off x="0" y="0"/>
-          <a:ext cx="0" cy="0"/>
-          <a:chOff x="0" y="0"/>
-          <a:chExt cx="0" cy="0"/>
-        </a:xfrm>
-      </p:grpSpPr>
-      <p:sp>
-        <p:nvSpPr>
-          <p:cNvPr id="2" name="Title 1"/>
-          <p:cNvSpPr>
-            <a:spLocks noGrp="1"/>
-          </p:cNvSpPr>
-          <p:nvPr>
-            <p:ph type="title"/>
-          </p:nvPr>
-        </p:nvSpPr>
-        <p:spPr>
-          <a:xfrm>
-            <a:off x="834260" y="462455"/>
-            <a:ext cx="10515600" cy="822263"/>
-          </a:xfrm>
-        </p:spPr>
-        <p:txBody>
-          <a:bodyPr>
-            <a:normAutofit/>
-          </a:bodyPr>
-          <a:lstStyle>
-            <a:lvl1pPr>
-              <a:defRPr sz="3600">
-                <a:solidFill>
-                  <a:srgbClr val="D24726"/>
-                </a:solidFill>
-                <a:latin typeface="Segoe UI Light" panose="020B0502040204020203" pitchFamily="34" charset="0"/>
-                <a:cs typeface="Segoe UI Light" panose="020B0502040204020203" pitchFamily="34" charset="0"/>
-              </a:defRPr>
-            </a:lvl1pPr>
-          </a:lstStyle>
-          <a:p>
-            <a:r>
-              <a:rPr lang="en-US" dirty="0"/>
-              <a:t>Click to edit Master title style</a:t>
-            </a:r>
-          </a:p>
-        </p:txBody>
-      </p:sp>
-      <p:sp>
-        <p:nvSpPr>
-          <p:cNvPr id="3" name="Content Placeholder 2"/>
-          <p:cNvSpPr>
-            <a:spLocks noGrp="1"/>
-          </p:cNvSpPr>
-          <p:nvPr>
-            <p:ph idx="1"/>
-          </p:nvPr>
-        </p:nvSpPr>
-        <p:spPr>
-          <a:xfrm>
-            <a:off x="838200" y="1625936"/>
-            <a:ext cx="10515600" cy="4351338"/>
-          </a:xfrm>
-        </p:spPr>
-        <p:txBody>
-          <a:bodyPr/>
-          <a:lstStyle>
-            <a:lvl1pPr>
-              <a:defRPr sz="1400" baseline="0">
-                <a:solidFill>
-                  <a:srgbClr val="595959"/>
-                </a:solidFill>
-                <a:latin typeface="Segoe UI Semilight" panose="020B0402040204020203" pitchFamily="34" charset="0"/>
-                <a:cs typeface="Segoe UI Semilight" panose="020B0402040204020203" pitchFamily="34" charset="0"/>
-              </a:defRPr>
-            </a:lvl1pPr>
-            <a:lvl2pPr>
-              <a:defRPr sz="1200" baseline="0">
-                <a:solidFill>
-                  <a:srgbClr val="595959"/>
-                </a:solidFill>
-                <a:latin typeface="Segoe UI Semilight" panose="020B0402040204020203" pitchFamily="34" charset="0"/>
-                <a:cs typeface="Segoe UI Semilight" panose="020B0402040204020203" pitchFamily="34" charset="0"/>
-              </a:defRPr>
-            </a:lvl2pPr>
-            <a:lvl3pPr>
-              <a:defRPr sz="1200" baseline="0">
-                <a:solidFill>
-                  <a:srgbClr val="595959"/>
-                </a:solidFill>
-                <a:latin typeface="Segoe UI Semilight" panose="020B0402040204020203" pitchFamily="34" charset="0"/>
-                <a:cs typeface="Segoe UI Semilight" panose="020B0402040204020203" pitchFamily="34" charset="0"/>
-              </a:defRPr>
-            </a:lvl3pPr>
-            <a:lvl4pPr>
-              <a:defRPr sz="1200" baseline="0">
-                <a:solidFill>
-                  <a:srgbClr val="595959"/>
-                </a:solidFill>
-                <a:latin typeface="Segoe UI Semilight" panose="020B0402040204020203" pitchFamily="34" charset="0"/>
-                <a:cs typeface="Segoe UI Semilight" panose="020B0402040204020203" pitchFamily="34" charset="0"/>
-              </a:defRPr>
-            </a:lvl4pPr>
-            <a:lvl5pPr>
-              <a:defRPr sz="1200" baseline="0">
-                <a:solidFill>
-                  <a:srgbClr val="595959"/>
-                </a:solidFill>
-                <a:latin typeface="Segoe UI Semilight" panose="020B0402040204020203" pitchFamily="34" charset="0"/>
-                <a:cs typeface="Segoe UI Semilight" panose="020B0402040204020203" pitchFamily="34" charset="0"/>
-              </a:defRPr>
-            </a:lvl5pPr>
-          </a:lstStyle>
-          <a:p>
-            <a:pPr lvl="0"/>
-            <a:r>
-              <a:rPr lang="en-US" dirty="0"/>
-              <a:t>Edit Master text styles</a:t>
-            </a:r>
-          </a:p>
-          <a:p>
-            <a:pPr lvl="1"/>
-            <a:r>
-              <a:rPr lang="en-US" dirty="0"/>
-              <a:t>Second level</a:t>
-            </a:r>
-          </a:p>
-          <a:p>
-            <a:pPr lvl="2"/>
-            <a:r>
-              <a:rPr lang="en-US" dirty="0"/>
-              <a:t>Third level</a:t>
-            </a:r>
-          </a:p>
-          <a:p>
-            <a:pPr lvl="3"/>
-            <a:r>
-              <a:rPr lang="en-US" dirty="0"/>
-              <a:t>Fourth level</a:t>
-            </a:r>
-          </a:p>
-          <a:p>
-            <a:pPr lvl="4"/>
-            <a:r>
-              <a:rPr lang="en-US" dirty="0"/>
-              <a:t>Fifth level</a:t>
-            </a:r>
-          </a:p>
-        </p:txBody>
-      </p:sp>
-      <p:sp>
-        <p:nvSpPr>
-          <p:cNvPr id="4" name="Date Placeholder 3"/>
-          <p:cNvSpPr>
-            <a:spLocks noGrp="1"/>
-          </p:cNvSpPr>
-          <p:nvPr>
-            <p:ph type="dt" sz="half" idx="10"/>
-          </p:nvPr>
-        </p:nvSpPr>
-        <p:spPr/>
-        <p:txBody>
-          <a:bodyPr/>
-          <a:lstStyle/>
-          <a:p>
-            <a:fld id="{3652CD92-9D15-43B4-8516-073FCDAC90D4}" type="datetimeFigureOut">
-              <a:rPr lang="en-US" smtClean="0"/>
-              <a:t>10/8/18</a:t>
-            </a:fld>
-            <a:endParaRPr lang="en-US"/>
-          </a:p>
-        </p:txBody>
-      </p:sp>
-      <p:sp>
-        <p:nvSpPr>
-          <p:cNvPr id="5" name="Footer Placeholder 4"/>
-          <p:cNvSpPr>
-            <a:spLocks noGrp="1"/>
-          </p:cNvSpPr>
-          <p:nvPr>
-            <p:ph type="ftr" sz="quarter" idx="11"/>
-          </p:nvPr>
-        </p:nvSpPr>
-        <p:spPr/>
-        <p:txBody>
-          <a:bodyPr/>
-          <a:lstStyle/>
-          <a:p>
-            <a:endParaRPr lang="en-US"/>
-          </a:p>
-        </p:txBody>
-      </p:sp>
-      <p:sp>
-        <p:nvSpPr>
-          <p:cNvPr id="6" name="Slide Number Placeholder 5"/>
-          <p:cNvSpPr>
-            <a:spLocks noGrp="1"/>
-          </p:cNvSpPr>
-          <p:nvPr>
-            <p:ph type="sldNum" sz="quarter" idx="12"/>
-          </p:nvPr>
-        </p:nvSpPr>
-        <p:spPr/>
-        <p:txBody>
-          <a:bodyPr/>
-          <a:lstStyle/>
-          <a:p>
-            <a:fld id="{475E1560-7126-406C-A531-3A398E8D0EEA}" type="slidenum">
-              <a:rPr lang="en-US" smtClean="0"/>
-              <a:t>‹#›</a:t>
-            </a:fld>
-            <a:endParaRPr lang="en-US"/>
-          </a:p>
-        </p:txBody>
-      </p:sp>
-      <p:cxnSp>
-        <p:nvCxnSpPr>
-          <p:cNvPr id="7" name="Straight Connector 6"/>
-          <p:cNvCxnSpPr/>
-          <p:nvPr userDrawn="1"/>
-        </p:nvCxnSpPr>
-        <p:spPr>
-          <a:xfrm>
-            <a:off x="952500" y="1284718"/>
-            <a:ext cx="10363200" cy="0"/>
-          </a:xfrm>
-          <a:prstGeom prst="line">
-            <a:avLst/>
-          </a:prstGeom>
-          <a:ln w="12700">
-            <a:solidFill>
-              <a:schemeClr val="bg1">
-                <a:lumMod val="65000"/>
-              </a:schemeClr>
-            </a:solidFill>
-          </a:ln>
-        </p:spPr>
-        <p:style>
-          <a:lnRef idx="1">
-            <a:schemeClr val="accent1"/>
-          </a:lnRef>
-          <a:fillRef idx="0">
-            <a:schemeClr val="accent1"/>
-          </a:fillRef>
-          <a:effectRef idx="0">
-            <a:schemeClr val="accent1"/>
-          </a:effectRef>
-          <a:fontRef idx="minor">
-            <a:schemeClr val="tx1"/>
-          </a:fontRef>
-        </p:style>
-      </p:cxnSp>
-    </p:spTree>
-    <p:extLst>
-      <p:ext uri="{BB962C8B-B14F-4D97-AF65-F5344CB8AC3E}">
-        <p14:creationId xmlns:p14="http://schemas.microsoft.com/office/powerpoint/2010/main" val="1885525206"/>
       </p:ext>
     </p:extLst>
   </p:cSld>
@@ -6460,1813 +6079,7 @@
 </p:sldMaster>
 </file>
 
-<file path=ppt/slideMasters/slideMaster2.xml><?xml version="1.0" encoding="utf-8"?>
-<p:sldMaster xmlns:a="http://schemas.openxmlformats.org/drawingml/2006/main" xmlns:r="http://schemas.openxmlformats.org/officeDocument/2006/relationships" xmlns:p="http://schemas.openxmlformats.org/presentationml/2006/main">
-  <p:cSld>
-    <p:bg>
-      <p:bgRef idx="1001">
-        <a:schemeClr val="bg1"/>
-      </p:bgRef>
-    </p:bg>
-    <p:spTree>
-      <p:nvGrpSpPr>
-        <p:cNvPr id="1" name=""/>
-        <p:cNvGrpSpPr/>
-        <p:nvPr/>
-      </p:nvGrpSpPr>
-      <p:grpSpPr>
-        <a:xfrm>
-          <a:off x="0" y="0"/>
-          <a:ext cx="0" cy="0"/>
-          <a:chOff x="0" y="0"/>
-          <a:chExt cx="0" cy="0"/>
-        </a:xfrm>
-      </p:grpSpPr>
-      <p:sp>
-        <p:nvSpPr>
-          <p:cNvPr id="2" name="Title Placeholder 1"/>
-          <p:cNvSpPr>
-            <a:spLocks noGrp="1"/>
-          </p:cNvSpPr>
-          <p:nvPr>
-            <p:ph type="title"/>
-          </p:nvPr>
-        </p:nvSpPr>
-        <p:spPr>
-          <a:xfrm>
-            <a:off x="838200" y="365125"/>
-            <a:ext cx="10515600" cy="1325563"/>
-          </a:xfrm>
-          <a:prstGeom prst="rect">
-            <a:avLst/>
-          </a:prstGeom>
-        </p:spPr>
-        <p:txBody>
-          <a:bodyPr vert="horz" lIns="91440" tIns="45720" rIns="91440" bIns="45720" rtlCol="0" anchor="ctr">
-            <a:normAutofit/>
-          </a:bodyPr>
-          <a:lstStyle/>
-          <a:p>
-            <a:r>
-              <a:rPr lang="en-US"/>
-              <a:t>Click to edit Master title style</a:t>
-            </a:r>
-          </a:p>
-        </p:txBody>
-      </p:sp>
-      <p:sp>
-        <p:nvSpPr>
-          <p:cNvPr id="3" name="Text Placeholder 2"/>
-          <p:cNvSpPr>
-            <a:spLocks noGrp="1"/>
-          </p:cNvSpPr>
-          <p:nvPr>
-            <p:ph type="body" idx="1"/>
-          </p:nvPr>
-        </p:nvSpPr>
-        <p:spPr>
-          <a:xfrm>
-            <a:off x="838200" y="1825625"/>
-            <a:ext cx="10515600" cy="4351338"/>
-          </a:xfrm>
-          <a:prstGeom prst="rect">
-            <a:avLst/>
-          </a:prstGeom>
-        </p:spPr>
-        <p:txBody>
-          <a:bodyPr vert="horz" lIns="91440" tIns="45720" rIns="91440" bIns="45720" rtlCol="0">
-            <a:normAutofit/>
-          </a:bodyPr>
-          <a:lstStyle/>
-          <a:p>
-            <a:pPr lvl="0"/>
-            <a:r>
-              <a:rPr lang="en-US"/>
-              <a:t>Edit Master text styles</a:t>
-            </a:r>
-          </a:p>
-          <a:p>
-            <a:pPr lvl="1"/>
-            <a:r>
-              <a:rPr lang="en-US"/>
-              <a:t>Second level</a:t>
-            </a:r>
-          </a:p>
-          <a:p>
-            <a:pPr lvl="2"/>
-            <a:r>
-              <a:rPr lang="en-US"/>
-              <a:t>Third level</a:t>
-            </a:r>
-          </a:p>
-          <a:p>
-            <a:pPr lvl="3"/>
-            <a:r>
-              <a:rPr lang="en-US"/>
-              <a:t>Fourth level</a:t>
-            </a:r>
-          </a:p>
-          <a:p>
-            <a:pPr lvl="4"/>
-            <a:r>
-              <a:rPr lang="en-US"/>
-              <a:t>Fifth level</a:t>
-            </a:r>
-          </a:p>
-        </p:txBody>
-      </p:sp>
-      <p:sp>
-        <p:nvSpPr>
-          <p:cNvPr id="4" name="Date Placeholder 3"/>
-          <p:cNvSpPr>
-            <a:spLocks noGrp="1"/>
-          </p:cNvSpPr>
-          <p:nvPr>
-            <p:ph type="dt" sz="half" idx="2"/>
-          </p:nvPr>
-        </p:nvSpPr>
-        <p:spPr>
-          <a:xfrm>
-            <a:off x="838200" y="6356350"/>
-            <a:ext cx="2743200" cy="365125"/>
-          </a:xfrm>
-          <a:prstGeom prst="rect">
-            <a:avLst/>
-          </a:prstGeom>
-        </p:spPr>
-        <p:txBody>
-          <a:bodyPr vert="horz" lIns="91440" tIns="45720" rIns="91440" bIns="45720" rtlCol="0" anchor="ctr"/>
-          <a:lstStyle>
-            <a:lvl1pPr algn="l">
-              <a:defRPr sz="1200">
-                <a:solidFill>
-                  <a:schemeClr val="tx1">
-                    <a:tint val="75000"/>
-                  </a:schemeClr>
-                </a:solidFill>
-              </a:defRPr>
-            </a:lvl1pPr>
-          </a:lstStyle>
-          <a:p>
-            <a:fld id="{3652CD92-9D15-43B4-8516-073FCDAC90D4}" type="datetimeFigureOut">
-              <a:rPr lang="en-US" smtClean="0"/>
-              <a:t>10/8/18</a:t>
-            </a:fld>
-            <a:endParaRPr lang="en-US"/>
-          </a:p>
-        </p:txBody>
-      </p:sp>
-      <p:sp>
-        <p:nvSpPr>
-          <p:cNvPr id="5" name="Footer Placeholder 4"/>
-          <p:cNvSpPr>
-            <a:spLocks noGrp="1"/>
-          </p:cNvSpPr>
-          <p:nvPr>
-            <p:ph type="ftr" sz="quarter" idx="3"/>
-          </p:nvPr>
-        </p:nvSpPr>
-        <p:spPr>
-          <a:xfrm>
-            <a:off x="4038600" y="6356350"/>
-            <a:ext cx="4114800" cy="365125"/>
-          </a:xfrm>
-          <a:prstGeom prst="rect">
-            <a:avLst/>
-          </a:prstGeom>
-        </p:spPr>
-        <p:txBody>
-          <a:bodyPr vert="horz" lIns="91440" tIns="45720" rIns="91440" bIns="45720" rtlCol="0" anchor="ctr"/>
-          <a:lstStyle>
-            <a:lvl1pPr algn="ctr">
-              <a:defRPr sz="1200">
-                <a:solidFill>
-                  <a:schemeClr val="tx1">
-                    <a:tint val="75000"/>
-                  </a:schemeClr>
-                </a:solidFill>
-              </a:defRPr>
-            </a:lvl1pPr>
-          </a:lstStyle>
-          <a:p>
-            <a:endParaRPr lang="en-US"/>
-          </a:p>
-        </p:txBody>
-      </p:sp>
-      <p:sp>
-        <p:nvSpPr>
-          <p:cNvPr id="6" name="Slide Number Placeholder 5"/>
-          <p:cNvSpPr>
-            <a:spLocks noGrp="1"/>
-          </p:cNvSpPr>
-          <p:nvPr>
-            <p:ph type="sldNum" sz="quarter" idx="4"/>
-          </p:nvPr>
-        </p:nvSpPr>
-        <p:spPr>
-          <a:xfrm>
-            <a:off x="8610600" y="6356350"/>
-            <a:ext cx="2743200" cy="365125"/>
-          </a:xfrm>
-          <a:prstGeom prst="rect">
-            <a:avLst/>
-          </a:prstGeom>
-        </p:spPr>
-        <p:txBody>
-          <a:bodyPr vert="horz" lIns="91440" tIns="45720" rIns="91440" bIns="45720" rtlCol="0" anchor="ctr"/>
-          <a:lstStyle>
-            <a:lvl1pPr algn="r">
-              <a:defRPr sz="1200">
-                <a:solidFill>
-                  <a:schemeClr val="tx1">
-                    <a:tint val="75000"/>
-                  </a:schemeClr>
-                </a:solidFill>
-              </a:defRPr>
-            </a:lvl1pPr>
-          </a:lstStyle>
-          <a:p>
-            <a:fld id="{475E1560-7126-406C-A531-3A398E8D0EEA}" type="slidenum">
-              <a:rPr lang="en-US" smtClean="0"/>
-              <a:t>‹#›</a:t>
-            </a:fld>
-            <a:endParaRPr lang="en-US"/>
-          </a:p>
-        </p:txBody>
-      </p:sp>
-    </p:spTree>
-    <p:extLst>
-      <p:ext uri="{BB962C8B-B14F-4D97-AF65-F5344CB8AC3E}">
-        <p14:creationId xmlns:p14="http://schemas.microsoft.com/office/powerpoint/2010/main" val="3184122265"/>
-      </p:ext>
-    </p:extLst>
-  </p:cSld>
-  <p:clrMap bg1="lt1" tx1="dk1" bg2="lt2" tx2="dk2" accent1="accent1" accent2="accent2" accent3="accent3" accent4="accent4" accent5="accent5" accent6="accent6" hlink="hlink" folHlink="folHlink"/>
-  <p:sldLayoutIdLst>
-    <p:sldLayoutId id="2147483715" r:id="rId1"/>
-  </p:sldLayoutIdLst>
-  <p:txStyles>
-    <p:titleStyle>
-      <a:lvl1pPr algn="l" defTabSz="914400" rtl="0" eaLnBrk="1" latinLnBrk="0" hangingPunct="1">
-        <a:lnSpc>
-          <a:spcPct val="90000"/>
-        </a:lnSpc>
-        <a:spcBef>
-          <a:spcPct val="0"/>
-        </a:spcBef>
-        <a:buNone/>
-        <a:defRPr sz="4400" kern="1200">
-          <a:solidFill>
-            <a:schemeClr val="tx1"/>
-          </a:solidFill>
-          <a:latin typeface="+mj-lt"/>
-          <a:ea typeface="+mj-ea"/>
-          <a:cs typeface="+mj-cs"/>
-        </a:defRPr>
-      </a:lvl1pPr>
-    </p:titleStyle>
-    <p:bodyStyle>
-      <a:lvl1pPr marL="228600" indent="-228600" algn="l" defTabSz="914400" rtl="0" eaLnBrk="1" latinLnBrk="0" hangingPunct="1">
-        <a:lnSpc>
-          <a:spcPct val="90000"/>
-        </a:lnSpc>
-        <a:spcBef>
-          <a:spcPts val="1000"/>
-        </a:spcBef>
-        <a:buFont typeface="Arial" panose="020B0604020202020204" pitchFamily="34" charset="0"/>
-        <a:buChar char="•"/>
-        <a:defRPr sz="2800" kern="1200">
-          <a:solidFill>
-            <a:schemeClr val="tx1"/>
-          </a:solidFill>
-          <a:latin typeface="+mn-lt"/>
-          <a:ea typeface="+mn-ea"/>
-          <a:cs typeface="+mn-cs"/>
-        </a:defRPr>
-      </a:lvl1pPr>
-      <a:lvl2pPr marL="685800" indent="-228600" algn="l" defTabSz="914400" rtl="0" eaLnBrk="1" latinLnBrk="0" hangingPunct="1">
-        <a:lnSpc>
-          <a:spcPct val="90000"/>
-        </a:lnSpc>
-        <a:spcBef>
-          <a:spcPts val="500"/>
-        </a:spcBef>
-        <a:buFont typeface="Arial" panose="020B0604020202020204" pitchFamily="34" charset="0"/>
-        <a:buChar char="•"/>
-        <a:defRPr sz="2400" kern="1200">
-          <a:solidFill>
-            <a:schemeClr val="tx1"/>
-          </a:solidFill>
-          <a:latin typeface="+mn-lt"/>
-          <a:ea typeface="+mn-ea"/>
-          <a:cs typeface="+mn-cs"/>
-        </a:defRPr>
-      </a:lvl2pPr>
-      <a:lvl3pPr marL="1143000" indent="-228600" algn="l" defTabSz="914400" rtl="0" eaLnBrk="1" latinLnBrk="0" hangingPunct="1">
-        <a:lnSpc>
-          <a:spcPct val="90000"/>
-        </a:lnSpc>
-        <a:spcBef>
-          <a:spcPts val="500"/>
-        </a:spcBef>
-        <a:buFont typeface="Arial" panose="020B0604020202020204" pitchFamily="34" charset="0"/>
-        <a:buChar char="•"/>
-        <a:defRPr sz="2000" kern="1200">
-          <a:solidFill>
-            <a:schemeClr val="tx1"/>
-          </a:solidFill>
-          <a:latin typeface="+mn-lt"/>
-          <a:ea typeface="+mn-ea"/>
-          <a:cs typeface="+mn-cs"/>
-        </a:defRPr>
-      </a:lvl3pPr>
-      <a:lvl4pPr marL="1600200" indent="-228600" algn="l" defTabSz="914400" rtl="0" eaLnBrk="1" latinLnBrk="0" hangingPunct="1">
-        <a:lnSpc>
-          <a:spcPct val="90000"/>
-        </a:lnSpc>
-        <a:spcBef>
-          <a:spcPts val="500"/>
-        </a:spcBef>
-        <a:buFont typeface="Arial" panose="020B0604020202020204" pitchFamily="34" charset="0"/>
-        <a:buChar char="•"/>
-        <a:defRPr sz="1800" kern="1200">
-          <a:solidFill>
-            <a:schemeClr val="tx1"/>
-          </a:solidFill>
-          <a:latin typeface="+mn-lt"/>
-          <a:ea typeface="+mn-ea"/>
-          <a:cs typeface="+mn-cs"/>
-        </a:defRPr>
-      </a:lvl4pPr>
-      <a:lvl5pPr marL="2057400" indent="-228600" algn="l" defTabSz="914400" rtl="0" eaLnBrk="1" latinLnBrk="0" hangingPunct="1">
-        <a:lnSpc>
-          <a:spcPct val="90000"/>
-        </a:lnSpc>
-        <a:spcBef>
-          <a:spcPts val="500"/>
-        </a:spcBef>
-        <a:buFont typeface="Arial" panose="020B0604020202020204" pitchFamily="34" charset="0"/>
-        <a:buChar char="•"/>
-        <a:defRPr sz="1800" kern="1200">
-          <a:solidFill>
-            <a:schemeClr val="tx1"/>
-          </a:solidFill>
-          <a:latin typeface="+mn-lt"/>
-          <a:ea typeface="+mn-ea"/>
-          <a:cs typeface="+mn-cs"/>
-        </a:defRPr>
-      </a:lvl5pPr>
-      <a:lvl6pPr marL="2514600" indent="-228600" algn="l" defTabSz="914400" rtl="0" eaLnBrk="1" latinLnBrk="0" hangingPunct="1">
-        <a:lnSpc>
-          <a:spcPct val="90000"/>
-        </a:lnSpc>
-        <a:spcBef>
-          <a:spcPts val="500"/>
-        </a:spcBef>
-        <a:buFont typeface="Arial" panose="020B0604020202020204" pitchFamily="34" charset="0"/>
-        <a:buChar char="•"/>
-        <a:defRPr sz="1800" kern="1200">
-          <a:solidFill>
-            <a:schemeClr val="tx1"/>
-          </a:solidFill>
-          <a:latin typeface="+mn-lt"/>
-          <a:ea typeface="+mn-ea"/>
-          <a:cs typeface="+mn-cs"/>
-        </a:defRPr>
-      </a:lvl6pPr>
-      <a:lvl7pPr marL="2971800" indent="-228600" algn="l" defTabSz="914400" rtl="0" eaLnBrk="1" latinLnBrk="0" hangingPunct="1">
-        <a:lnSpc>
-          <a:spcPct val="90000"/>
-        </a:lnSpc>
-        <a:spcBef>
-          <a:spcPts val="500"/>
-        </a:spcBef>
-        <a:buFont typeface="Arial" panose="020B0604020202020204" pitchFamily="34" charset="0"/>
-        <a:buChar char="•"/>
-        <a:defRPr sz="1800" kern="1200">
-          <a:solidFill>
-            <a:schemeClr val="tx1"/>
-          </a:solidFill>
-          <a:latin typeface="+mn-lt"/>
-          <a:ea typeface="+mn-ea"/>
-          <a:cs typeface="+mn-cs"/>
-        </a:defRPr>
-      </a:lvl7pPr>
-      <a:lvl8pPr marL="3429000" indent="-228600" algn="l" defTabSz="914400" rtl="0" eaLnBrk="1" latinLnBrk="0" hangingPunct="1">
-        <a:lnSpc>
-          <a:spcPct val="90000"/>
-        </a:lnSpc>
-        <a:spcBef>
-          <a:spcPts val="500"/>
-        </a:spcBef>
-        <a:buFont typeface="Arial" panose="020B0604020202020204" pitchFamily="34" charset="0"/>
-        <a:buChar char="•"/>
-        <a:defRPr sz="1800" kern="1200">
-          <a:solidFill>
-            <a:schemeClr val="tx1"/>
-          </a:solidFill>
-          <a:latin typeface="+mn-lt"/>
-          <a:ea typeface="+mn-ea"/>
-          <a:cs typeface="+mn-cs"/>
-        </a:defRPr>
-      </a:lvl8pPr>
-      <a:lvl9pPr marL="3886200" indent="-228600" algn="l" defTabSz="914400" rtl="0" eaLnBrk="1" latinLnBrk="0" hangingPunct="1">
-        <a:lnSpc>
-          <a:spcPct val="90000"/>
-        </a:lnSpc>
-        <a:spcBef>
-          <a:spcPts val="500"/>
-        </a:spcBef>
-        <a:buFont typeface="Arial" panose="020B0604020202020204" pitchFamily="34" charset="0"/>
-        <a:buChar char="•"/>
-        <a:defRPr sz="1800" kern="1200">
-          <a:solidFill>
-            <a:schemeClr val="tx1"/>
-          </a:solidFill>
-          <a:latin typeface="+mn-lt"/>
-          <a:ea typeface="+mn-ea"/>
-          <a:cs typeface="+mn-cs"/>
-        </a:defRPr>
-      </a:lvl9pPr>
-    </p:bodyStyle>
-    <p:otherStyle>
-      <a:defPPr>
-        <a:defRPr lang="en-US"/>
-      </a:defPPr>
-      <a:lvl1pPr marL="0" algn="l" defTabSz="914400" rtl="0" eaLnBrk="1" latinLnBrk="0" hangingPunct="1">
-        <a:defRPr sz="1800" kern="1200">
-          <a:solidFill>
-            <a:schemeClr val="tx1"/>
-          </a:solidFill>
-          <a:latin typeface="+mn-lt"/>
-          <a:ea typeface="+mn-ea"/>
-          <a:cs typeface="+mn-cs"/>
-        </a:defRPr>
-      </a:lvl1pPr>
-      <a:lvl2pPr marL="457200" algn="l" defTabSz="914400" rtl="0" eaLnBrk="1" latinLnBrk="0" hangingPunct="1">
-        <a:defRPr sz="1800" kern="1200">
-          <a:solidFill>
-            <a:schemeClr val="tx1"/>
-          </a:solidFill>
-          <a:latin typeface="+mn-lt"/>
-          <a:ea typeface="+mn-ea"/>
-          <a:cs typeface="+mn-cs"/>
-        </a:defRPr>
-      </a:lvl2pPr>
-      <a:lvl3pPr marL="914400" algn="l" defTabSz="914400" rtl="0" eaLnBrk="1" latinLnBrk="0" hangingPunct="1">
-        <a:defRPr sz="1800" kern="1200">
-          <a:solidFill>
-            <a:schemeClr val="tx1"/>
-          </a:solidFill>
-          <a:latin typeface="+mn-lt"/>
-          <a:ea typeface="+mn-ea"/>
-          <a:cs typeface="+mn-cs"/>
-        </a:defRPr>
-      </a:lvl3pPr>
-      <a:lvl4pPr marL="1371600" algn="l" defTabSz="914400" rtl="0" eaLnBrk="1" latinLnBrk="0" hangingPunct="1">
-        <a:defRPr sz="1800" kern="1200">
-          <a:solidFill>
-            <a:schemeClr val="tx1"/>
-          </a:solidFill>
-          <a:latin typeface="+mn-lt"/>
-          <a:ea typeface="+mn-ea"/>
-          <a:cs typeface="+mn-cs"/>
-        </a:defRPr>
-      </a:lvl4pPr>
-      <a:lvl5pPr marL="1828800" algn="l" defTabSz="914400" rtl="0" eaLnBrk="1" latinLnBrk="0" hangingPunct="1">
-        <a:defRPr sz="1800" kern="1200">
-          <a:solidFill>
-            <a:schemeClr val="tx1"/>
-          </a:solidFill>
-          <a:latin typeface="+mn-lt"/>
-          <a:ea typeface="+mn-ea"/>
-          <a:cs typeface="+mn-cs"/>
-        </a:defRPr>
-      </a:lvl5pPr>
-      <a:lvl6pPr marL="2286000" algn="l" defTabSz="914400" rtl="0" eaLnBrk="1" latinLnBrk="0" hangingPunct="1">
-        <a:defRPr sz="1800" kern="1200">
-          <a:solidFill>
-            <a:schemeClr val="tx1"/>
-          </a:solidFill>
-          <a:latin typeface="+mn-lt"/>
-          <a:ea typeface="+mn-ea"/>
-          <a:cs typeface="+mn-cs"/>
-        </a:defRPr>
-      </a:lvl6pPr>
-      <a:lvl7pPr marL="2743200" algn="l" defTabSz="914400" rtl="0" eaLnBrk="1" latinLnBrk="0" hangingPunct="1">
-        <a:defRPr sz="1800" kern="1200">
-          <a:solidFill>
-            <a:schemeClr val="tx1"/>
-          </a:solidFill>
-          <a:latin typeface="+mn-lt"/>
-          <a:ea typeface="+mn-ea"/>
-          <a:cs typeface="+mn-cs"/>
-        </a:defRPr>
-      </a:lvl7pPr>
-      <a:lvl8pPr marL="3200400" algn="l" defTabSz="914400" rtl="0" eaLnBrk="1" latinLnBrk="0" hangingPunct="1">
-        <a:defRPr sz="1800" kern="1200">
-          <a:solidFill>
-            <a:schemeClr val="tx1"/>
-          </a:solidFill>
-          <a:latin typeface="+mn-lt"/>
-          <a:ea typeface="+mn-ea"/>
-          <a:cs typeface="+mn-cs"/>
-        </a:defRPr>
-      </a:lvl8pPr>
-      <a:lvl9pPr marL="3657600" algn="l" defTabSz="914400" rtl="0" eaLnBrk="1" latinLnBrk="0" hangingPunct="1">
-        <a:defRPr sz="1800" kern="1200">
-          <a:solidFill>
-            <a:schemeClr val="tx1"/>
-          </a:solidFill>
-          <a:latin typeface="+mn-lt"/>
-          <a:ea typeface="+mn-ea"/>
-          <a:cs typeface="+mn-cs"/>
-        </a:defRPr>
-      </a:lvl9pPr>
-    </p:otherStyle>
-  </p:txStyles>
-</p:sldMaster>
-</file>
-
 <file path=ppt/slides/slide1.xml><?xml version="1.0" encoding="utf-8"?>
-<p:sld xmlns:a="http://schemas.openxmlformats.org/drawingml/2006/main" xmlns:r="http://schemas.openxmlformats.org/officeDocument/2006/relationships" xmlns:p="http://schemas.openxmlformats.org/presentationml/2006/main" show="0">
-  <p:cSld>
-    <p:spTree>
-      <p:nvGrpSpPr>
-        <p:cNvPr id="1" name=""/>
-        <p:cNvGrpSpPr/>
-        <p:nvPr/>
-      </p:nvGrpSpPr>
-      <p:grpSpPr>
-        <a:xfrm>
-          <a:off x="0" y="0"/>
-          <a:ext cx="0" cy="0"/>
-          <a:chOff x="0" y="0"/>
-          <a:chExt cx="0" cy="0"/>
-        </a:xfrm>
-      </p:grpSpPr>
-      <p:sp>
-        <p:nvSpPr>
-          <p:cNvPr id="2" name="Title 1">
-            <a:extLst>
-              <a:ext uri="{FF2B5EF4-FFF2-40B4-BE49-F238E27FC236}">
-                <a16:creationId xmlns:a16="http://schemas.microsoft.com/office/drawing/2014/main" id="{326B76E6-8E55-4532-B4C9-362459A30A05}"/>
-              </a:ext>
-            </a:extLst>
-          </p:cNvPr>
-          <p:cNvSpPr>
-            <a:spLocks noGrp="1"/>
-          </p:cNvSpPr>
-          <p:nvPr>
-            <p:ph type="title"/>
-          </p:nvPr>
-        </p:nvSpPr>
-        <p:spPr/>
-        <p:txBody>
-          <a:bodyPr/>
-          <a:lstStyle/>
-          <a:p>
-            <a:r>
-              <a:rPr lang="en-US" dirty="0">
-                <a:latin typeface="Helvetica Neue Light" panose="020B0702040204020203" pitchFamily="34" charset="0"/>
-                <a:ea typeface="Helvetica Neue Light" panose="020B0702040204020203" pitchFamily="34" charset="0"/>
-                <a:cs typeface="Helvetica Neue" panose="020B0502040204020203" pitchFamily="34" charset="0"/>
-              </a:rPr>
-              <a:t>Here's your outline to get started</a:t>
-            </a:r>
-          </a:p>
-        </p:txBody>
-      </p:sp>
-      <p:sp>
-        <p:nvSpPr>
-          <p:cNvPr id="20" name="Text 2"/>
-          <p:cNvSpPr/>
-          <p:nvPr/>
-        </p:nvSpPr>
-        <p:spPr>
-          <a:xfrm>
-            <a:off x="838200" y="1461299"/>
-            <a:ext cx="10462846" cy="415498"/>
-          </a:xfrm>
-          <a:prstGeom prst="rect">
-            <a:avLst/>
-          </a:prstGeom>
-        </p:spPr>
-        <p:txBody>
-          <a:bodyPr wrap="square">
-            <a:spAutoFit/>
-          </a:bodyPr>
-          <a:lstStyle/>
-          <a:p>
-            <a:pPr>
-              <a:lnSpc>
-                <a:spcPct val="150000"/>
-              </a:lnSpc>
-            </a:pPr>
-            <a:r>
-              <a:rPr lang="en-US" sz="1400" dirty="0">
-                <a:solidFill>
-                  <a:srgbClr val="D24726"/>
-                </a:solidFill>
-                <a:latin typeface="Helvetica Neue" panose="020B0702040204020203" pitchFamily="34" charset="0"/>
-                <a:ea typeface="Helvetica Neue" panose="020B0702040204020203" pitchFamily="34" charset="0"/>
-                <a:cs typeface="Helvetica Neue" panose="020B0502040204020203" pitchFamily="34" charset="0"/>
-              </a:rPr>
-              <a:t>Key facts about your topic</a:t>
-            </a:r>
-          </a:p>
-        </p:txBody>
-      </p:sp>
-      <p:sp>
-        <p:nvSpPr>
-          <p:cNvPr id="21" name="Content Placeholder 2"/>
-          <p:cNvSpPr txBox="1">
-            <a:spLocks/>
-          </p:cNvSpPr>
-          <p:nvPr/>
-        </p:nvSpPr>
-        <p:spPr>
-          <a:xfrm>
-            <a:off x="850250" y="1876798"/>
-            <a:ext cx="5028036" cy="4000000"/>
-          </a:xfrm>
-          <a:prstGeom prst="rect">
-            <a:avLst/>
-          </a:prstGeom>
-          <a:ln w="57150">
-            <a:noFill/>
-          </a:ln>
-        </p:spPr>
-        <p:txBody>
-          <a:bodyPr vert="horz" lIns="91440" tIns="45720" rIns="91440" bIns="45720" numCol="1" rtlCol="0" anchor="t">
-            <a:normAutofit/>
-          </a:bodyPr>
-          <a:lstStyle/>
-          <a:p>
-            <a:pPr marL="0" indent="0">
-              <a:lnSpc>
-                <a:spcPct val="150000"/>
-              </a:lnSpc>
-              <a:spcBef>
-                <a:spcPts val="0"/>
-              </a:spcBef>
-              <a:buFont typeface="Arial" panose="020B0604020202020204" pitchFamily="34" charset="0"/>
-              <a:buNone/>
-            </a:pPr>
-            <a:r>
-              <a:rPr lang="en-US" sz="1400" dirty="0">
-                <a:solidFill>
-                  <a:schemeClr val="tx1">
-                    <a:lumMod val="65000"/>
-                    <a:lumOff val="35000"/>
-                  </a:schemeClr>
-                </a:solidFill>
-                <a:latin typeface="Helvetica Neue Light" panose="020B0402040204020203" pitchFamily="34" charset="0"/>
-                <a:ea typeface="Helvetica Neue" panose="020B0502040204020203" pitchFamily="34" charset="0"/>
-                <a:cs typeface="Helvetica Neue Light" panose="020B0402040204020203" pitchFamily="34" charset="0"/>
-              </a:rPr>
-              <a:t>Computer programming is the process of designing and building an executable computer program for accomplishing a specific computing task. Programming involves tasks such as analysis, generating algorithms, profiling algorithms' accuracy and resource consumption, and the implementation of algorithms in a chosen programming language. The source code of a program is written in one or more programming languages. The purpose of programming is to find a sequence of instructions that will automate the performance of a task for solving a given problem. The process of programming thus often r...</a:t>
-            </a:r>
-          </a:p>
-        </p:txBody>
-      </p:sp>
-      <p:sp>
-        <p:nvSpPr>
-          <p:cNvPr id="22" name="Content Placeholder 3"/>
-          <p:cNvSpPr/>
-          <p:nvPr/>
-        </p:nvSpPr>
-        <p:spPr>
-          <a:xfrm>
-            <a:off x="6211660" y="1876798"/>
-            <a:ext cx="5237389" cy="4000000"/>
-          </a:xfrm>
-          <a:prstGeom prst="rect">
-            <a:avLst/>
-          </a:prstGeom>
-        </p:spPr>
-        <p:txBody>
-          <a:bodyPr wrap="square">
-            <a:spAutoFit/>
-          </a:bodyPr>
-          <a:lstStyle/>
-          <a:p>
-            <a:pPr>
-              <a:lnSpc>
-                <a:spcPct val="150000"/>
-              </a:lnSpc>
-            </a:pPr>
-            <a:r>
-              <a:rPr lang="en-US" sz="1400" b="1" dirty="0">
-                <a:solidFill>
-                  <a:srgbClr val="D24726"/>
-                </a:solidFill>
-                <a:latin typeface="Helvetica Neue" panose="020B0702040204020203" pitchFamily="34" charset="0"/>
-                <a:ea typeface="Helvetica Neue" panose="020B0702040204020203" pitchFamily="34" charset="0"/>
-              </a:rPr>
-              <a:t>Subdiscipline of: </a:t>
-            </a:r>
-            <a:r>
-              <a:rPr lang="en-US" sz="1400" dirty="0">
-                <a:solidFill>
-                  <a:schemeClr val="tx1">
-                    <a:lumMod val="65000"/>
-                    <a:lumOff val="35000"/>
-                  </a:schemeClr>
-                </a:solidFill>
-                <a:latin typeface="Helvetica Neue Light" panose="020B0402040204020203" pitchFamily="34" charset="0"/>
-                <a:cs typeface="Helvetica Neue Light" panose="020B0402040204020203" pitchFamily="34" charset="0"/>
-              </a:rPr>
-              <a:t>Computer Science</a:t>
-            </a:r>
-          </a:p>
-          <a:p>
-            <a:pPr>
-              <a:lnSpc>
-                <a:spcPct val="150000"/>
-              </a:lnSpc>
-            </a:pPr>
-            <a:r>
-              <a:rPr lang="en-US" sz="1400" b="1" dirty="0">
-                <a:solidFill>
-                  <a:srgbClr val="D24726"/>
-                </a:solidFill>
-                <a:latin typeface="Helvetica Neue" panose="020B0702040204020203" pitchFamily="34" charset="0"/>
-                <a:ea typeface="Helvetica Neue" panose="020B0702040204020203" pitchFamily="34" charset="0"/>
-              </a:rPr>
-              <a:t>Academic conference: </a:t>
-            </a:r>
-            <a:r>
-              <a:rPr lang="en-US" sz="1400" dirty="0">
-                <a:solidFill>
-                  <a:schemeClr val="tx1">
-                    <a:lumMod val="65000"/>
-                    <a:lumOff val="35000"/>
-                  </a:schemeClr>
-                </a:solidFill>
-                <a:latin typeface="Helvetica Neue Light" panose="020B0402040204020203" pitchFamily="34" charset="0"/>
-                <a:cs typeface="Helvetica Neue Light" panose="020B0402040204020203" pitchFamily="34" charset="0"/>
-              </a:rPr>
-              <a:t>European Conference on Artificial Intelligence (ECAI) 2016</a:t>
-            </a:r>
-          </a:p>
-        </p:txBody>
-      </p:sp>
-      <p:sp>
-        <p:nvSpPr>
-          <p:cNvPr id="23" name="Footer Placeholder 2"/>
-          <p:cNvSpPr>
-            <a:spLocks noGrp="1"/>
-          </p:cNvSpPr>
-          <p:nvPr>
-            <p:ph type="ftr" sz="quarter" idx="11"/>
-          </p:nvPr>
-        </p:nvSpPr>
-        <p:spPr>
-          <a:xfrm>
-            <a:off x="838199" y="6229028"/>
-            <a:ext cx="5779169" cy="365125"/>
-          </a:xfrm>
-        </p:spPr>
-        <p:txBody>
-          <a:bodyPr/>
-          <a:lstStyle/>
-          <a:p>
-            <a:pPr algn="l"/>
-            <a:r>
-              <a:rPr lang="en-US" dirty="0">
-                <a:solidFill>
-                  <a:schemeClr val="tx2"/>
-                </a:solidFill>
-                <a:latin typeface="Helvetica Neue" panose="020B0502040204020203" pitchFamily="34" charset="0"/>
-                <a:ea typeface="Helvetica Neue" panose="020B0502040204020203" pitchFamily="34" charset="0"/>
-                <a:cs typeface="Helvetica Neue" panose="020B0502040204020203" pitchFamily="34" charset="0"/>
-                <a:hlinkClick r:id="rId3"/>
-              </a:rPr>
-              <a:t>en.wikipedia.org</a:t>
-            </a:r>
-            <a:r>
-              <a:rPr lang="en-US" dirty="0">
-                <a:solidFill>
-                  <a:schemeClr val="tx2"/>
-                </a:solidFill>
-                <a:latin typeface="Helvetica Neue" panose="020B0502040204020203" pitchFamily="34" charset="0"/>
-                <a:ea typeface="Helvetica Neue" panose="020B0502040204020203" pitchFamily="34" charset="0"/>
-                <a:cs typeface="Helvetica Neue" panose="020B0502040204020203" pitchFamily="34" charset="0"/>
-              </a:rPr>
-              <a:t> - Text under </a:t>
-            </a:r>
-            <a:r>
-              <a:rPr lang="en-US" dirty="0">
-                <a:solidFill>
-                  <a:schemeClr val="tx2"/>
-                </a:solidFill>
-                <a:latin typeface="Helvetica Neue" panose="020B0502040204020203" pitchFamily="34" charset="0"/>
-                <a:ea typeface="Helvetica Neue" panose="020B0502040204020203" pitchFamily="34" charset="0"/>
-                <a:cs typeface="Helvetica Neue" panose="020B0502040204020203" pitchFamily="34" charset="0"/>
-                <a:hlinkClick r:id="rId4"/>
-              </a:rPr>
-              <a:t>CC-BY-SA license</a:t>
-            </a:r>
-            <a:endParaRPr lang="en-US" dirty="0"/>
-          </a:p>
-        </p:txBody>
-      </p:sp>
-      <p:grpSp>
-        <p:nvGrpSpPr>
-          <p:cNvPr id="4" name="Group 3">
-            <a:extLst>
-              <a:ext uri="{FF2B5EF4-FFF2-40B4-BE49-F238E27FC236}">
-                <a16:creationId xmlns:a16="http://schemas.microsoft.com/office/drawing/2014/main" id="{E07FEDDE-7BE3-4AF0-89AC-8212D722B9B0}"/>
-              </a:ext>
-            </a:extLst>
-          </p:cNvPr>
-          <p:cNvGrpSpPr/>
-          <p:nvPr/>
-        </p:nvGrpSpPr>
-        <p:grpSpPr>
-          <a:xfrm>
-            <a:off x="6211661" y="6042093"/>
-            <a:ext cx="5138199" cy="734947"/>
-            <a:chOff x="6211661" y="6042093"/>
-            <a:chExt cx="5138199" cy="734947"/>
-          </a:xfrm>
-        </p:grpSpPr>
-        <p:sp>
-          <p:nvSpPr>
-            <p:cNvPr id="5" name="Rectangle 8">
-              <a:extLst>
-                <a:ext uri="{FF2B5EF4-FFF2-40B4-BE49-F238E27FC236}">
-                  <a16:creationId xmlns:a16="http://schemas.microsoft.com/office/drawing/2014/main" id="{184C5845-0FFB-4734-A9BE-3E8CEA8008D3}"/>
-                </a:ext>
-              </a:extLst>
-            </p:cNvPr>
-            <p:cNvSpPr/>
-            <p:nvPr/>
-          </p:nvSpPr>
-          <p:spPr>
-            <a:xfrm>
-              <a:off x="6211661" y="6042093"/>
-              <a:ext cx="5138199" cy="630783"/>
-            </a:xfrm>
-            <a:prstGeom prst="rect">
-              <a:avLst/>
-            </a:prstGeom>
-            <a:solidFill>
-              <a:srgbClr val="F2F2F2"/>
-            </a:solidFill>
-            <a:ln>
-              <a:noFill/>
-            </a:ln>
-          </p:spPr>
-          <p:style>
-            <a:lnRef idx="2">
-              <a:schemeClr val="accent1">
-                <a:shade val="50000"/>
-              </a:schemeClr>
-            </a:lnRef>
-            <a:fillRef idx="1">
-              <a:schemeClr val="accent1"/>
-            </a:fillRef>
-            <a:effectRef idx="0">
-              <a:schemeClr val="accent1"/>
-            </a:effectRef>
-            <a:fontRef idx="minor">
-              <a:schemeClr val="lt1"/>
-            </a:fontRef>
-          </p:style>
-          <p:txBody>
-            <a:bodyPr rtlCol="0" anchor="b" anchorCtr="0"/>
-            <a:lstStyle/>
-            <a:p>
-              <a:pPr algn="ctr"/>
-              <a:endParaRPr lang="en-US" sz="1800" dirty="0"/>
-            </a:p>
-          </p:txBody>
-        </p:sp>
-        <p:sp>
-          <p:nvSpPr>
-            <p:cNvPr id="6" name="TextBox 7">
-              <a:extLst>
-                <a:ext uri="{FF2B5EF4-FFF2-40B4-BE49-F238E27FC236}">
-                  <a16:creationId xmlns:a16="http://schemas.microsoft.com/office/drawing/2014/main" id="{33CDDC14-D7C0-4FC6-8360-4E6E50174088}"/>
-                </a:ext>
-              </a:extLst>
-            </p:cNvPr>
-            <p:cNvSpPr txBox="1"/>
-            <p:nvPr/>
-          </p:nvSpPr>
-          <p:spPr>
-            <a:xfrm>
-              <a:off x="6980629" y="6140658"/>
-              <a:ext cx="2303691" cy="451406"/>
-            </a:xfrm>
-            <a:prstGeom prst="rect">
-              <a:avLst/>
-            </a:prstGeom>
-            <a:noFill/>
-          </p:spPr>
-          <p:txBody>
-            <a:bodyPr wrap="square" rtlCol="0">
-              <a:spAutoFit/>
-            </a:bodyPr>
-            <a:lstStyle/>
-            <a:p>
-              <a:pPr>
-                <a:lnSpc>
-                  <a:spcPts val="1400"/>
-                </a:lnSpc>
-              </a:pPr>
-              <a:r>
-                <a:rPr lang="en-US" sz="1200" dirty="0">
-                  <a:solidFill>
-                    <a:srgbClr val="D24726"/>
-                  </a:solidFill>
-                  <a:latin typeface="Helvetica" panose="020B0604020202020204" pitchFamily="34" charset="0"/>
-                  <a:cs typeface="Helvetica" panose="020B0604020202020204" pitchFamily="34" charset="0"/>
-                </a:rPr>
-                <a:t>See more: </a:t>
-              </a:r>
-              <a:r>
-                <a:rPr lang="en-US" sz="1200" dirty="0">
-                  <a:solidFill>
-                    <a:schemeClr val="tx1">
-                      <a:lumMod val="65000"/>
-                      <a:lumOff val="35000"/>
-                    </a:schemeClr>
-                  </a:solidFill>
-                  <a:latin typeface="Helvetica" panose="020B0604020202020204" pitchFamily="34" charset="0"/>
-                  <a:ea typeface="Segoe UI Symbol" panose="020B0502040204020203" pitchFamily="34" charset="0"/>
-                  <a:cs typeface="Helvetica" panose="020B0604020202020204" pitchFamily="34" charset="0"/>
-                </a:rPr>
-                <a:t>Open the Notes below for more information.</a:t>
-              </a:r>
-            </a:p>
-          </p:txBody>
-        </p:sp>
-        <p:pic>
-          <p:nvPicPr>
-            <p:cNvPr id="7" name="Picture 11" descr="Curved arrow">
-              <a:extLst>
-                <a:ext uri="{FF2B5EF4-FFF2-40B4-BE49-F238E27FC236}">
-                  <a16:creationId xmlns:a16="http://schemas.microsoft.com/office/drawing/2014/main" id="{A3DA137E-6B53-4403-B00B-B734CA13A906}"/>
-                </a:ext>
-              </a:extLst>
-            </p:cNvPr>
-            <p:cNvPicPr/>
-            <p:nvPr/>
-          </p:nvPicPr>
-          <p:blipFill>
-            <a:blip r:embed="rId5" cstate="print">
-              <a:extLst>
-                <a:ext uri="{28A0092B-C50C-407E-A947-70E740481C1C}">
-                  <a14:useLocalDpi xmlns:a14="http://schemas.microsoft.com/office/drawing/2010/main" val="0"/>
-                </a:ext>
-              </a:extLst>
-            </a:blip>
-            <a:stretch>
-              <a:fillRect/>
-            </a:stretch>
-          </p:blipFill>
-          <p:spPr>
-            <a:xfrm rot="10354591" flipH="1">
-              <a:off x="6306564" y="6342835"/>
-              <a:ext cx="742543" cy="434205"/>
-            </a:xfrm>
-            <a:prstGeom prst="rect">
-              <a:avLst/>
-            </a:prstGeom>
-          </p:spPr>
-        </p:pic>
-      </p:grpSp>
-      <p:pic>
-        <p:nvPicPr>
-          <p:cNvPr id="9" name="Picture 8" descr="Notes button in status bar">
-            <a:extLst>
-              <a:ext uri="{FF2B5EF4-FFF2-40B4-BE49-F238E27FC236}">
-                <a16:creationId xmlns:a16="http://schemas.microsoft.com/office/drawing/2014/main" id="{C8C2AE28-6AB7-4F9D-A4D5-5EAAD6263283}"/>
-              </a:ext>
-            </a:extLst>
-          </p:cNvPr>
-          <p:cNvPicPr>
-            <a:picLocks noChangeAspect="1"/>
-          </p:cNvPicPr>
-          <p:nvPr/>
-        </p:nvPicPr>
-        <p:blipFill>
-          <a:blip r:embed="rId6"/>
-          <a:stretch>
-            <a:fillRect/>
-          </a:stretch>
-        </p:blipFill>
-        <p:spPr>
-          <a:xfrm>
-            <a:off x="9068176" y="5968740"/>
-            <a:ext cx="2381132" cy="795243"/>
-          </a:xfrm>
-          <a:prstGeom prst="rect">
-            <a:avLst/>
-          </a:prstGeom>
-        </p:spPr>
-      </p:pic>
-    </p:spTree>
-    <p:extLst>
-      <p:ext uri="{BB962C8B-B14F-4D97-AF65-F5344CB8AC3E}">
-        <p14:creationId xmlns:p14="http://schemas.microsoft.com/office/powerpoint/2010/main" val="3748667521"/>
-      </p:ext>
-    </p:extLst>
-  </p:cSld>
-  <p:clrMapOvr>
-    <a:masterClrMapping/>
-  </p:clrMapOvr>
-</p:sld>
-</file>
-
-<file path=ppt/slides/slide2.xml><?xml version="1.0" encoding="utf-8"?>
-<p:sld xmlns:a="http://schemas.openxmlformats.org/drawingml/2006/main" xmlns:r="http://schemas.openxmlformats.org/officeDocument/2006/relationships" xmlns:p="http://schemas.openxmlformats.org/presentationml/2006/main" show="0">
-  <p:cSld>
-    <p:spTree>
-      <p:nvGrpSpPr>
-        <p:cNvPr id="1" name=""/>
-        <p:cNvGrpSpPr/>
-        <p:nvPr/>
-      </p:nvGrpSpPr>
-      <p:grpSpPr>
-        <a:xfrm>
-          <a:off x="0" y="0"/>
-          <a:ext cx="0" cy="0"/>
-          <a:chOff x="0" y="0"/>
-          <a:chExt cx="0" cy="0"/>
-        </a:xfrm>
-      </p:grpSpPr>
-      <p:sp>
-        <p:nvSpPr>
-          <p:cNvPr id="22" name="Content Placeholder 21">
-            <a:extLst>
-              <a:ext uri="{FF2B5EF4-FFF2-40B4-BE49-F238E27FC236}">
-                <a16:creationId xmlns:a16="http://schemas.microsoft.com/office/drawing/2014/main" id="{282CB683-B267-477B-B209-C7389FAA0448}"/>
-              </a:ext>
-            </a:extLst>
-          </p:cNvPr>
-          <p:cNvSpPr>
-            <a:spLocks noGrp="1"/>
-          </p:cNvSpPr>
-          <p:nvPr>
-            <p:ph idx="1"/>
-          </p:nvPr>
-        </p:nvSpPr>
-        <p:spPr/>
-        <p:txBody>
-          <a:bodyPr/>
-          <a:lstStyle/>
-          <a:p>
-            <a:r>
-              <a:rPr lang="en-US" dirty="0">
-                <a:latin typeface="Helvetica Neue Light" panose="020B0702040204020203" pitchFamily="34" charset="0"/>
-                <a:ea typeface="Helvetica Neue Light" panose="020B0702040204020203" pitchFamily="34" charset="0"/>
-                <a:cs typeface="Helvetica Neue" panose="020B0502040204020203" pitchFamily="34" charset="0"/>
-              </a:rPr>
-              <a:t>Computer</a:t>
-            </a:r>
-          </a:p>
-          <a:p>
-            <a:r>
-              <a:rPr lang="en-US" dirty="0">
-                <a:latin typeface="Helvetica Neue Light" panose="020B0702040204020203" pitchFamily="34" charset="0"/>
-                <a:ea typeface="Helvetica Neue Light" panose="020B0702040204020203" pitchFamily="34" charset="0"/>
-                <a:cs typeface="Helvetica Neue" panose="020B0502040204020203" pitchFamily="34" charset="0"/>
-              </a:rPr>
-              <a:t>Programmer</a:t>
-            </a:r>
-          </a:p>
-          <a:p>
-            <a:r>
-              <a:rPr lang="en-US" dirty="0">
-                <a:latin typeface="Helvetica Neue Light" panose="020B0702040204020203" pitchFamily="34" charset="0"/>
-                <a:ea typeface="Helvetica Neue Light" panose="020B0702040204020203" pitchFamily="34" charset="0"/>
-                <a:cs typeface="Helvetica Neue" panose="020B0502040204020203" pitchFamily="34" charset="0"/>
-              </a:rPr>
-              <a:t>Software Engineering</a:t>
-            </a:r>
-          </a:p>
-          <a:p>
-            <a:r>
-              <a:rPr lang="en-US" dirty="0">
-                <a:latin typeface="Helvetica Neue Light" panose="020B0702040204020203" pitchFamily="34" charset="0"/>
-                <a:ea typeface="Helvetica Neue Light" panose="020B0702040204020203" pitchFamily="34" charset="0"/>
-                <a:cs typeface="Helvetica Neue" panose="020B0502040204020203" pitchFamily="34" charset="0"/>
-              </a:rPr>
-              <a:t>C++</a:t>
-            </a:r>
-          </a:p>
-          <a:p>
-            <a:r>
-              <a:rPr lang="en-US" dirty="0">
-                <a:latin typeface="Helvetica Neue Light" panose="020B0702040204020203" pitchFamily="34" charset="0"/>
-                <a:ea typeface="Helvetica Neue Light" panose="020B0702040204020203" pitchFamily="34" charset="0"/>
-                <a:cs typeface="Helvetica Neue" panose="020B0502040204020203" pitchFamily="34" charset="0"/>
-              </a:rPr>
-              <a:t>Software development</a:t>
-            </a:r>
-          </a:p>
-          <a:p>
-            <a:r>
-              <a:rPr lang="en-US" dirty="0">
-                <a:latin typeface="Helvetica Neue Light" panose="020B0702040204020203" pitchFamily="34" charset="0"/>
-                <a:ea typeface="Helvetica Neue Light" panose="020B0702040204020203" pitchFamily="34" charset="0"/>
-                <a:cs typeface="Helvetica Neue" panose="020B0502040204020203" pitchFamily="34" charset="0"/>
-              </a:rPr>
-              <a:t>Software</a:t>
-            </a:r>
-          </a:p>
-          <a:p>
-            <a:r>
-              <a:rPr lang="en-US" dirty="0">
-                <a:latin typeface="Helvetica Neue Light" panose="020B0702040204020203" pitchFamily="34" charset="0"/>
-                <a:ea typeface="Helvetica Neue Light" panose="020B0702040204020203" pitchFamily="34" charset="0"/>
-                <a:cs typeface="Helvetica Neue" panose="020B0502040204020203" pitchFamily="34" charset="0"/>
-              </a:rPr>
-              <a:t>Java</a:t>
-            </a:r>
-          </a:p>
-          <a:p>
-            <a:r>
-              <a:rPr lang="en-US" dirty="0">
-                <a:latin typeface="Helvetica Neue Light" panose="020B0702040204020203" pitchFamily="34" charset="0"/>
-                <a:ea typeface="Helvetica Neue Light" panose="020B0702040204020203" pitchFamily="34" charset="0"/>
-                <a:cs typeface="Helvetica Neue" panose="020B0502040204020203" pitchFamily="34" charset="0"/>
-              </a:rPr>
-              <a:t>C</a:t>
-            </a:r>
-          </a:p>
-          <a:p>
-            <a:r>
-              <a:rPr lang="en-US" dirty="0">
-                <a:latin typeface="Helvetica Neue Light" panose="020B0702040204020203" pitchFamily="34" charset="0"/>
-                <a:ea typeface="Helvetica Neue Light" panose="020B0702040204020203" pitchFamily="34" charset="0"/>
-                <a:cs typeface="Helvetica Neue" panose="020B0502040204020203" pitchFamily="34" charset="0"/>
-              </a:rPr>
-              <a:t>Python</a:t>
-            </a:r>
-          </a:p>
-          <a:p>
-            <a:r>
-              <a:rPr lang="en-US" dirty="0">
-                <a:latin typeface="Helvetica Neue Light" panose="020B0702040204020203" pitchFamily="34" charset="0"/>
-                <a:ea typeface="Helvetica Neue Light" panose="020B0702040204020203" pitchFamily="34" charset="0"/>
-                <a:cs typeface="Helvetica Neue" panose="020B0502040204020203" pitchFamily="34" charset="0"/>
-              </a:rPr>
-              <a:t>JavaScript</a:t>
-            </a:r>
-          </a:p>
-        </p:txBody>
-      </p:sp>
-      <p:sp>
-        <p:nvSpPr>
-          <p:cNvPr id="2" name="Title 1">
-            <a:extLst>
-              <a:ext uri="{FF2B5EF4-FFF2-40B4-BE49-F238E27FC236}">
-                <a16:creationId xmlns:a16="http://schemas.microsoft.com/office/drawing/2014/main" id="{7F2DA537-9EAD-4C2A-8B8C-B5471C6F5D65}"/>
-              </a:ext>
-            </a:extLst>
-          </p:cNvPr>
-          <p:cNvSpPr>
-            <a:spLocks noGrp="1"/>
-          </p:cNvSpPr>
-          <p:nvPr>
-            <p:ph type="title"/>
-          </p:nvPr>
-        </p:nvSpPr>
-        <p:spPr/>
-        <p:txBody>
-          <a:bodyPr/>
-          <a:lstStyle/>
-          <a:p>
-            <a:r>
-              <a:rPr lang="en-US" dirty="0">
-                <a:latin typeface="Helvetica Neue Light" panose="020B0702040204020203" pitchFamily="34" charset="0"/>
-                <a:ea typeface="Helvetica Neue Light" panose="020B0702040204020203" pitchFamily="34" charset="0"/>
-                <a:cs typeface="Helvetica Neue" panose="020B0502040204020203" pitchFamily="34" charset="0"/>
-              </a:rPr>
-              <a:t>Related topics to research</a:t>
-            </a:r>
-          </a:p>
-        </p:txBody>
-      </p:sp>
-      <p:grpSp>
-        <p:nvGrpSpPr>
-          <p:cNvPr id="4" name="Group 3">
-            <a:extLst>
-              <a:ext uri="{FF2B5EF4-FFF2-40B4-BE49-F238E27FC236}">
-                <a16:creationId xmlns:a16="http://schemas.microsoft.com/office/drawing/2014/main" id="{5F891352-0AB3-4D77-AA93-8E0A1738F8F4}"/>
-              </a:ext>
-            </a:extLst>
-          </p:cNvPr>
-          <p:cNvGrpSpPr/>
-          <p:nvPr/>
-        </p:nvGrpSpPr>
-        <p:grpSpPr>
-          <a:xfrm>
-            <a:off x="5943601" y="1609726"/>
-            <a:ext cx="5406259" cy="2019300"/>
-            <a:chOff x="5943601" y="1609726"/>
-            <a:chExt cx="5406259" cy="2019300"/>
-          </a:xfrm>
-        </p:grpSpPr>
-        <p:sp>
-          <p:nvSpPr>
-            <p:cNvPr id="5" name="Rectangle 5">
-              <a:extLst>
-                <a:ext uri="{FF2B5EF4-FFF2-40B4-BE49-F238E27FC236}">
-                  <a16:creationId xmlns:a16="http://schemas.microsoft.com/office/drawing/2014/main" id="{20526183-096D-4868-AE2D-0200EE5F1D5D}"/>
-                </a:ext>
-              </a:extLst>
-            </p:cNvPr>
-            <p:cNvSpPr/>
-            <p:nvPr/>
-          </p:nvSpPr>
-          <p:spPr>
-            <a:xfrm>
-              <a:off x="5943601" y="1609726"/>
-              <a:ext cx="5406259" cy="2019300"/>
-            </a:xfrm>
-            <a:prstGeom prst="rect">
-              <a:avLst/>
-            </a:prstGeom>
-            <a:solidFill>
-              <a:srgbClr val="F5F5F5"/>
-            </a:solidFill>
-            <a:ln>
-              <a:noFill/>
-            </a:ln>
-          </p:spPr>
-          <p:style>
-            <a:lnRef idx="2">
-              <a:schemeClr val="accent1">
-                <a:shade val="50000"/>
-              </a:schemeClr>
-            </a:lnRef>
-            <a:fillRef idx="1">
-              <a:schemeClr val="accent1"/>
-            </a:fillRef>
-            <a:effectRef idx="0">
-              <a:schemeClr val="accent1"/>
-            </a:effectRef>
-            <a:fontRef idx="minor">
-              <a:schemeClr val="lt1"/>
-            </a:fontRef>
-          </p:style>
-          <p:txBody>
-            <a:bodyPr rtlCol="0" anchor="b" anchorCtr="0"/>
-            <a:lstStyle/>
-            <a:p>
-              <a:pPr algn="ctr"/>
-              <a:endParaRPr lang="en-US" sz="1800" dirty="0"/>
-            </a:p>
-          </p:txBody>
-        </p:sp>
-        <p:sp>
-          <p:nvSpPr>
-            <p:cNvPr id="6" name="TextBox 4">
-              <a:extLst>
-                <a:ext uri="{FF2B5EF4-FFF2-40B4-BE49-F238E27FC236}">
-                  <a16:creationId xmlns:a16="http://schemas.microsoft.com/office/drawing/2014/main" id="{E9B136C8-7575-43EF-A6F3-EC4F69800828}"/>
-                </a:ext>
-              </a:extLst>
-            </p:cNvPr>
-            <p:cNvSpPr txBox="1"/>
-            <p:nvPr/>
-          </p:nvSpPr>
-          <p:spPr>
-            <a:xfrm>
-              <a:off x="6189439" y="1827382"/>
-              <a:ext cx="2849999" cy="307777"/>
-            </a:xfrm>
-            <a:prstGeom prst="rect">
-              <a:avLst/>
-            </a:prstGeom>
-            <a:noFill/>
-          </p:spPr>
-          <p:txBody>
-            <a:bodyPr wrap="square" rtlCol="0">
-              <a:spAutoFit/>
-            </a:bodyPr>
-            <a:lstStyle/>
-            <a:p>
-              <a:pPr>
-                <a:spcAft>
-                  <a:spcPts val="1200"/>
-                </a:spcAft>
-              </a:pPr>
-              <a:r>
-                <a:rPr lang="en-US" sz="1400" dirty="0">
-                  <a:solidFill>
-                    <a:srgbClr val="D24726"/>
-                  </a:solidFill>
-                  <a:latin typeface="Helvetica" panose="020B0604020202020204" pitchFamily="34" charset="0"/>
-                  <a:cs typeface="Helvetica" panose="020B0604020202020204" pitchFamily="34" charset="0"/>
-                </a:rPr>
-                <a:t>Use Smart Lookup to learn more</a:t>
-              </a:r>
-              <a:endParaRPr lang="en-US" sz="1400" dirty="0">
-                <a:solidFill>
-                  <a:srgbClr val="D24726"/>
-                </a:solidFill>
-                <a:latin typeface="Helvetica" panose="020B0604020202020204" pitchFamily="34" charset="0"/>
-                <a:ea typeface="Segoe UI Symbol" panose="020B0502040204020203" pitchFamily="34" charset="0"/>
-                <a:cs typeface="Helvetica" panose="020B0604020202020204" pitchFamily="34" charset="0"/>
-              </a:endParaRPr>
-            </a:p>
-          </p:txBody>
-        </p:sp>
-        <p:sp>
-          <p:nvSpPr>
-            <p:cNvPr id="7" name="TextBox 7">
-              <a:extLst>
-                <a:ext uri="{FF2B5EF4-FFF2-40B4-BE49-F238E27FC236}">
-                  <a16:creationId xmlns:a16="http://schemas.microsoft.com/office/drawing/2014/main" id="{F5C6FF1D-DFD2-4DBD-BDE7-F882DDC6DC74}"/>
-                </a:ext>
-              </a:extLst>
-            </p:cNvPr>
-            <p:cNvSpPr txBox="1"/>
-            <p:nvPr/>
-          </p:nvSpPr>
-          <p:spPr>
-            <a:xfrm>
-              <a:off x="6450618" y="2207781"/>
-              <a:ext cx="2626919" cy="954107"/>
-            </a:xfrm>
-            <a:prstGeom prst="rect">
-              <a:avLst/>
-            </a:prstGeom>
-            <a:noFill/>
-          </p:spPr>
-          <p:txBody>
-            <a:bodyPr wrap="square" rtlCol="0">
-              <a:spAutoFit/>
-            </a:bodyPr>
-            <a:lstStyle/>
-            <a:p>
-              <a:pPr>
-                <a:spcAft>
-                  <a:spcPts val="1200"/>
-                </a:spcAft>
-              </a:pPr>
-              <a:r>
-                <a:rPr lang="en-US" sz="1200" dirty="0">
-                  <a:solidFill>
-                    <a:schemeClr val="tx1">
-                      <a:lumMod val="65000"/>
-                      <a:lumOff val="35000"/>
-                    </a:schemeClr>
-                  </a:solidFill>
-                  <a:latin typeface="Helvetica" panose="020B0604020202020204" pitchFamily="34" charset="0"/>
-                  <a:ea typeface="Segoe UI Symbol" panose="020B0502040204020203" pitchFamily="34" charset="0"/>
-                  <a:cs typeface="Helvetica" panose="020B0604020202020204" pitchFamily="34" charset="0"/>
-                </a:rPr>
-                <a:t>Highlight one of the related topics</a:t>
-              </a:r>
-            </a:p>
-            <a:p>
-              <a:pPr>
-                <a:spcAft>
-                  <a:spcPts val="1200"/>
-                </a:spcAft>
-              </a:pPr>
-              <a:r>
-                <a:rPr lang="en-US" sz="1200" dirty="0">
-                  <a:solidFill>
-                    <a:schemeClr val="tx1">
-                      <a:lumMod val="65000"/>
-                      <a:lumOff val="35000"/>
-                    </a:schemeClr>
-                  </a:solidFill>
-                  <a:latin typeface="Helvetica" panose="020B0604020202020204" pitchFamily="34" charset="0"/>
-                  <a:ea typeface="Segoe UI Symbol" panose="020B0502040204020203" pitchFamily="34" charset="0"/>
-                  <a:cs typeface="Helvetica" panose="020B0604020202020204" pitchFamily="34" charset="0"/>
-                </a:rPr>
-                <a:t>Right-click on the topic</a:t>
-              </a:r>
-            </a:p>
-            <a:p>
-              <a:pPr marL="174625" indent="-174625">
-                <a:spcAft>
-                  <a:spcPts val="1200"/>
-                </a:spcAft>
-              </a:pPr>
-              <a:r>
-                <a:rPr lang="en-US" sz="1200" dirty="0">
-                  <a:solidFill>
-                    <a:schemeClr val="tx1">
-                      <a:lumMod val="65000"/>
-                      <a:lumOff val="35000"/>
-                    </a:schemeClr>
-                  </a:solidFill>
-                  <a:latin typeface="Helvetica" panose="020B0604020202020204" pitchFamily="34" charset="0"/>
-                  <a:ea typeface="Segoe UI Symbol" panose="020B0502040204020203" pitchFamily="34" charset="0"/>
-                  <a:cs typeface="Helvetica" panose="020B0604020202020204" pitchFamily="34" charset="0"/>
-                </a:rPr>
-                <a:t>Choose "Smart Lookup"</a:t>
-              </a:r>
-            </a:p>
-          </p:txBody>
-        </p:sp>
-        <p:grpSp>
-          <p:nvGrpSpPr>
-            <p:cNvPr id="8" name="Group 12">
-              <a:extLst>
-                <a:ext uri="{FF2B5EF4-FFF2-40B4-BE49-F238E27FC236}">
-                  <a16:creationId xmlns:a16="http://schemas.microsoft.com/office/drawing/2014/main" id="{58C4CE24-6148-4604-B285-49040644B37D}"/>
-                </a:ext>
-              </a:extLst>
-            </p:cNvPr>
-            <p:cNvGrpSpPr/>
-            <p:nvPr/>
-          </p:nvGrpSpPr>
-          <p:grpSpPr>
-            <a:xfrm>
-              <a:off x="6272613" y="2219603"/>
-              <a:ext cx="206735" cy="246221"/>
-              <a:chOff x="5977794" y="2200556"/>
-              <a:chExt cx="206735" cy="246221"/>
-            </a:xfrm>
-          </p:grpSpPr>
-          <p:sp>
-            <p:nvSpPr>
-              <p:cNvPr id="16" name="Oval 9">
-                <a:extLst>
-                  <a:ext uri="{FF2B5EF4-FFF2-40B4-BE49-F238E27FC236}">
-                    <a16:creationId xmlns:a16="http://schemas.microsoft.com/office/drawing/2014/main" id="{AB6051AB-2E0C-4F74-AA09-3E8DBF11667D}"/>
-                  </a:ext>
-                </a:extLst>
-              </p:cNvPr>
-              <p:cNvSpPr/>
-              <p:nvPr/>
-            </p:nvSpPr>
-            <p:spPr>
-              <a:xfrm>
-                <a:off x="5978839" y="2237913"/>
-                <a:ext cx="188599" cy="188599"/>
-              </a:xfrm>
-              <a:prstGeom prst="ellipse">
-                <a:avLst/>
-              </a:prstGeom>
-              <a:solidFill>
-                <a:srgbClr val="D24726"/>
-              </a:solidFill>
-              <a:ln>
-                <a:noFill/>
-              </a:ln>
-            </p:spPr>
-            <p:style>
-              <a:lnRef idx="2">
-                <a:schemeClr val="accent1">
-                  <a:shade val="50000"/>
-                </a:schemeClr>
-              </a:lnRef>
-              <a:fillRef idx="1">
-                <a:schemeClr val="accent1"/>
-              </a:fillRef>
-              <a:effectRef idx="0">
-                <a:schemeClr val="accent1"/>
-              </a:effectRef>
-              <a:fontRef idx="minor">
-                <a:schemeClr val="lt1"/>
-              </a:fontRef>
-            </p:style>
-            <p:txBody>
-              <a:bodyPr rtlCol="0" anchor="ctr"/>
-              <a:lstStyle/>
-              <a:p>
-                <a:pPr algn="ctr"/>
-                <a:endParaRPr lang="en-US" sz="1200"/>
-              </a:p>
-            </p:txBody>
-          </p:sp>
-          <p:sp>
-            <p:nvSpPr>
-              <p:cNvPr id="17" name="TextBox 11">
-                <a:extLst>
-                  <a:ext uri="{FF2B5EF4-FFF2-40B4-BE49-F238E27FC236}">
-                    <a16:creationId xmlns:a16="http://schemas.microsoft.com/office/drawing/2014/main" id="{97FDCC9F-9887-487F-8C6D-BBB3CB2773C3}"/>
-                  </a:ext>
-                </a:extLst>
-              </p:cNvPr>
-              <p:cNvSpPr txBox="1">
-                <a:spLocks noChangeAspect="1"/>
-              </p:cNvSpPr>
-              <p:nvPr/>
-            </p:nvSpPr>
-            <p:spPr>
-              <a:xfrm>
-                <a:off x="5977794" y="2200556"/>
-                <a:ext cx="206735" cy="246221"/>
-              </a:xfrm>
-              <a:prstGeom prst="rect">
-                <a:avLst/>
-              </a:prstGeom>
-              <a:noFill/>
-            </p:spPr>
-            <p:txBody>
-              <a:bodyPr wrap="square" rtlCol="0">
-                <a:spAutoFit/>
-              </a:bodyPr>
-              <a:lstStyle/>
-              <a:p>
-                <a:pPr algn="ctr"/>
-                <a:r>
-                  <a:rPr lang="en-US" sz="1000" dirty="0">
-                    <a:solidFill>
-                      <a:schemeClr val="bg1"/>
-                    </a:solidFill>
-                    <a:latin typeface="Helvetica" panose="020B0604020202020204" pitchFamily="34" charset="0"/>
-                    <a:cs typeface="Helvetica" panose="020B0604020202020204" pitchFamily="34" charset="0"/>
-                  </a:rPr>
-                  <a:t>1</a:t>
-                </a:r>
-              </a:p>
-            </p:txBody>
-          </p:sp>
-        </p:grpSp>
-        <p:grpSp>
-          <p:nvGrpSpPr>
-            <p:cNvPr id="9" name="Group 13">
-              <a:extLst>
-                <a:ext uri="{FF2B5EF4-FFF2-40B4-BE49-F238E27FC236}">
-                  <a16:creationId xmlns:a16="http://schemas.microsoft.com/office/drawing/2014/main" id="{D9700851-3B5E-45AB-991B-762DE0355EF6}"/>
-                </a:ext>
-              </a:extLst>
-            </p:cNvPr>
-            <p:cNvGrpSpPr/>
-            <p:nvPr/>
-          </p:nvGrpSpPr>
-          <p:grpSpPr>
-            <a:xfrm>
-              <a:off x="6273658" y="2563905"/>
-              <a:ext cx="197144" cy="246221"/>
-              <a:chOff x="5978839" y="2209102"/>
-              <a:chExt cx="197144" cy="246221"/>
-            </a:xfrm>
-          </p:grpSpPr>
-          <p:sp>
-            <p:nvSpPr>
-              <p:cNvPr id="14" name="Oval 14">
-                <a:extLst>
-                  <a:ext uri="{FF2B5EF4-FFF2-40B4-BE49-F238E27FC236}">
-                    <a16:creationId xmlns:a16="http://schemas.microsoft.com/office/drawing/2014/main" id="{0FDC7121-EA5E-4996-B879-22CC04BEA201}"/>
-                  </a:ext>
-                </a:extLst>
-              </p:cNvPr>
-              <p:cNvSpPr/>
-              <p:nvPr/>
-            </p:nvSpPr>
-            <p:spPr>
-              <a:xfrm>
-                <a:off x="5978839" y="2237913"/>
-                <a:ext cx="188599" cy="188599"/>
-              </a:xfrm>
-              <a:prstGeom prst="ellipse">
-                <a:avLst/>
-              </a:prstGeom>
-              <a:solidFill>
-                <a:srgbClr val="D24726"/>
-              </a:solidFill>
-              <a:ln>
-                <a:noFill/>
-              </a:ln>
-            </p:spPr>
-            <p:style>
-              <a:lnRef idx="2">
-                <a:schemeClr val="accent1">
-                  <a:shade val="50000"/>
-                </a:schemeClr>
-              </a:lnRef>
-              <a:fillRef idx="1">
-                <a:schemeClr val="accent1"/>
-              </a:fillRef>
-              <a:effectRef idx="0">
-                <a:schemeClr val="accent1"/>
-              </a:effectRef>
-              <a:fontRef idx="minor">
-                <a:schemeClr val="lt1"/>
-              </a:fontRef>
-            </p:style>
-            <p:txBody>
-              <a:bodyPr rtlCol="0" anchor="ctr"/>
-              <a:lstStyle/>
-              <a:p>
-                <a:pPr algn="ctr"/>
-                <a:endParaRPr lang="en-US" sz="1200"/>
-              </a:p>
-            </p:txBody>
-          </p:sp>
-          <p:sp>
-            <p:nvSpPr>
-              <p:cNvPr id="15" name="TextBox 15">
-                <a:extLst>
-                  <a:ext uri="{FF2B5EF4-FFF2-40B4-BE49-F238E27FC236}">
-                    <a16:creationId xmlns:a16="http://schemas.microsoft.com/office/drawing/2014/main" id="{B4BBF7ED-662E-4BA3-83B6-05208C9B757A}"/>
-                  </a:ext>
-                </a:extLst>
-              </p:cNvPr>
-              <p:cNvSpPr txBox="1">
-                <a:spLocks noChangeAspect="1"/>
-              </p:cNvSpPr>
-              <p:nvPr/>
-            </p:nvSpPr>
-            <p:spPr>
-              <a:xfrm>
-                <a:off x="5987384" y="2209102"/>
-                <a:ext cx="188599" cy="246221"/>
-              </a:xfrm>
-              <a:prstGeom prst="rect">
-                <a:avLst/>
-              </a:prstGeom>
-              <a:noFill/>
-            </p:spPr>
-            <p:txBody>
-              <a:bodyPr wrap="square" rtlCol="0">
-                <a:spAutoFit/>
-              </a:bodyPr>
-              <a:lstStyle/>
-              <a:p>
-                <a:pPr algn="ctr"/>
-                <a:r>
-                  <a:rPr lang="en-US" sz="1000" dirty="0">
-                    <a:solidFill>
-                      <a:schemeClr val="bg1"/>
-                    </a:solidFill>
-                    <a:latin typeface="Helvetica" panose="020B0604020202020204" pitchFamily="34" charset="0"/>
-                    <a:cs typeface="Helvetica" panose="020B0604020202020204" pitchFamily="34" charset="0"/>
-                  </a:rPr>
-                  <a:t>2</a:t>
-                </a:r>
-              </a:p>
-            </p:txBody>
-          </p:sp>
-        </p:grpSp>
-        <p:grpSp>
-          <p:nvGrpSpPr>
-            <p:cNvPr id="10" name="Group 16">
-              <a:extLst>
-                <a:ext uri="{FF2B5EF4-FFF2-40B4-BE49-F238E27FC236}">
-                  <a16:creationId xmlns:a16="http://schemas.microsoft.com/office/drawing/2014/main" id="{8CC6D345-719C-4EA8-9CCC-735633CC607F}"/>
-                </a:ext>
-              </a:extLst>
-            </p:cNvPr>
-            <p:cNvGrpSpPr/>
-            <p:nvPr/>
-          </p:nvGrpSpPr>
-          <p:grpSpPr>
-            <a:xfrm>
-              <a:off x="6273658" y="2902042"/>
-              <a:ext cx="197145" cy="251363"/>
-              <a:chOff x="5978839" y="2209102"/>
-              <a:chExt cx="197145" cy="251363"/>
-            </a:xfrm>
-          </p:grpSpPr>
-          <p:sp>
-            <p:nvSpPr>
-              <p:cNvPr id="12" name="Oval 17">
-                <a:extLst>
-                  <a:ext uri="{FF2B5EF4-FFF2-40B4-BE49-F238E27FC236}">
-                    <a16:creationId xmlns:a16="http://schemas.microsoft.com/office/drawing/2014/main" id="{2E56D573-7C3B-46F0-982D-5DD5D53E931B}"/>
-                  </a:ext>
-                </a:extLst>
-              </p:cNvPr>
-              <p:cNvSpPr/>
-              <p:nvPr/>
-            </p:nvSpPr>
-            <p:spPr>
-              <a:xfrm>
-                <a:off x="5978839" y="2237913"/>
-                <a:ext cx="188599" cy="188599"/>
-              </a:xfrm>
-              <a:prstGeom prst="ellipse">
-                <a:avLst/>
-              </a:prstGeom>
-              <a:solidFill>
-                <a:srgbClr val="D24726"/>
-              </a:solidFill>
-              <a:ln>
-                <a:noFill/>
-              </a:ln>
-            </p:spPr>
-            <p:style>
-              <a:lnRef idx="2">
-                <a:schemeClr val="accent1">
-                  <a:shade val="50000"/>
-                </a:schemeClr>
-              </a:lnRef>
-              <a:fillRef idx="1">
-                <a:schemeClr val="accent1"/>
-              </a:fillRef>
-              <a:effectRef idx="0">
-                <a:schemeClr val="accent1"/>
-              </a:effectRef>
-              <a:fontRef idx="minor">
-                <a:schemeClr val="lt1"/>
-              </a:fontRef>
-            </p:style>
-            <p:txBody>
-              <a:bodyPr rtlCol="0" anchor="ctr"/>
-              <a:lstStyle/>
-              <a:p>
-                <a:pPr algn="ctr"/>
-                <a:endParaRPr lang="en-US" sz="1200"/>
-              </a:p>
-            </p:txBody>
-          </p:sp>
-          <p:sp>
-            <p:nvSpPr>
-              <p:cNvPr id="13" name="TextBox 18">
-                <a:extLst>
-                  <a:ext uri="{FF2B5EF4-FFF2-40B4-BE49-F238E27FC236}">
-                    <a16:creationId xmlns:a16="http://schemas.microsoft.com/office/drawing/2014/main" id="{A400E4DB-EAAB-40EC-B86F-2B5325C2941B}"/>
-                  </a:ext>
-                </a:extLst>
-              </p:cNvPr>
-              <p:cNvSpPr txBox="1">
-                <a:spLocks noChangeAspect="1"/>
-              </p:cNvSpPr>
-              <p:nvPr/>
-            </p:nvSpPr>
-            <p:spPr>
-              <a:xfrm>
-                <a:off x="5983446" y="2209102"/>
-                <a:ext cx="192538" cy="251363"/>
-              </a:xfrm>
-              <a:prstGeom prst="rect">
-                <a:avLst/>
-              </a:prstGeom>
-              <a:noFill/>
-            </p:spPr>
-            <p:txBody>
-              <a:bodyPr wrap="square" rtlCol="0">
-                <a:spAutoFit/>
-              </a:bodyPr>
-              <a:lstStyle/>
-              <a:p>
-                <a:pPr algn="ctr"/>
-                <a:r>
-                  <a:rPr lang="en-US" sz="1000" dirty="0">
-                    <a:solidFill>
-                      <a:schemeClr val="bg1"/>
-                    </a:solidFill>
-                    <a:latin typeface="Helvetica" panose="020B0604020202020204" pitchFamily="34" charset="0"/>
-                    <a:cs typeface="Helvetica" panose="020B0604020202020204" pitchFamily="34" charset="0"/>
-                  </a:rPr>
-                  <a:t>3</a:t>
-                </a:r>
-              </a:p>
-            </p:txBody>
-          </p:sp>
-        </p:grpSp>
-      </p:grpSp>
-      <p:pic>
-        <p:nvPicPr>
-          <p:cNvPr id="23" name="Content Placeholder 18" descr="Smart Lookup button in context menu">
-            <a:extLst>
-              <a:ext uri="{FF2B5EF4-FFF2-40B4-BE49-F238E27FC236}">
-                <a16:creationId xmlns:a16="http://schemas.microsoft.com/office/drawing/2014/main" id="{89DB987B-D44B-4DAB-BF0B-1710ADD776C3}"/>
-              </a:ext>
-            </a:extLst>
-          </p:cNvPr>
-          <p:cNvPicPr>
-            <a:picLocks noChangeAspect="1"/>
-          </p:cNvPicPr>
-          <p:nvPr/>
-        </p:nvPicPr>
-        <p:blipFill>
-          <a:blip r:embed="rId2"/>
-          <a:stretch>
-            <a:fillRect/>
-          </a:stretch>
-        </p:blipFill>
-        <p:spPr>
-          <a:xfrm>
-            <a:off x="8762261" y="1771327"/>
-            <a:ext cx="2279334" cy="1857699"/>
-          </a:xfrm>
-          <a:prstGeom prst="rect">
-            <a:avLst/>
-          </a:prstGeom>
-        </p:spPr>
-      </p:pic>
-    </p:spTree>
-    <p:extLst>
-      <p:ext uri="{BB962C8B-B14F-4D97-AF65-F5344CB8AC3E}">
-        <p14:creationId xmlns:p14="http://schemas.microsoft.com/office/powerpoint/2010/main" val="1683866232"/>
-      </p:ext>
-    </p:extLst>
-  </p:cSld>
-  <p:clrMapOvr>
-    <a:masterClrMapping/>
-  </p:clrMapOvr>
-</p:sld>
-</file>
-
-<file path=ppt/slides/slide3.xml><?xml version="1.0" encoding="utf-8"?>
 <p:sld xmlns:a="http://schemas.openxmlformats.org/drawingml/2006/main" xmlns:r="http://schemas.openxmlformats.org/officeDocument/2006/relationships" xmlns:p="http://schemas.openxmlformats.org/presentationml/2006/main">
   <p:cSld>
     <p:bg>
@@ -8555,7 +6368,7 @@
 </p:sld>
 </file>
 
-<file path=ppt/slides/slide4.xml><?xml version="1.0" encoding="utf-8"?>
+<file path=ppt/slides/slide2.xml><?xml version="1.0" encoding="utf-8"?>
 <p:sld xmlns:a="http://schemas.openxmlformats.org/drawingml/2006/main" xmlns:r="http://schemas.openxmlformats.org/officeDocument/2006/relationships" xmlns:p="http://schemas.openxmlformats.org/presentationml/2006/main">
   <p:cSld>
     <p:bg>
@@ -8959,6 +6772,798 @@
     <p:extLst>
       <p:ext uri="{BB962C8B-B14F-4D97-AF65-F5344CB8AC3E}">
         <p14:creationId xmlns:p14="http://schemas.microsoft.com/office/powerpoint/2010/main" val="589900619"/>
+      </p:ext>
+    </p:extLst>
+  </p:cSld>
+  <p:clrMapOvr>
+    <a:masterClrMapping/>
+  </p:clrMapOvr>
+</p:sld>
+</file>
+
+<file path=ppt/slides/slide3.xml><?xml version="1.0" encoding="utf-8"?>
+<p:sld xmlns:a="http://schemas.openxmlformats.org/drawingml/2006/main" xmlns:r="http://schemas.openxmlformats.org/officeDocument/2006/relationships" xmlns:p="http://schemas.openxmlformats.org/presentationml/2006/main">
+  <p:cSld>
+    <p:bg>
+      <p:bgPr>
+        <a:blipFill>
+          <a:blip r:embed="rId2"/>
+          <a:stretch/>
+        </a:blipFill>
+        <a:effectLst/>
+      </p:bgPr>
+    </p:bg>
+    <p:spTree>
+      <p:nvGrpSpPr>
+        <p:cNvPr id="1" name=""/>
+        <p:cNvGrpSpPr/>
+        <p:nvPr/>
+      </p:nvGrpSpPr>
+      <p:grpSpPr>
+        <a:xfrm>
+          <a:off x="0" y="0"/>
+          <a:ext cx="0" cy="0"/>
+          <a:chOff x="0" y="0"/>
+          <a:chExt cx="0" cy="0"/>
+        </a:xfrm>
+      </p:grpSpPr>
+      <p:sp useBgFill="1">
+        <p:nvSpPr>
+          <p:cNvPr id="9" name="Rectangle 8">
+            <a:extLst>
+              <a:ext uri="{FF2B5EF4-FFF2-40B4-BE49-F238E27FC236}">
+                <a16:creationId xmlns:a16="http://schemas.microsoft.com/office/drawing/2014/main" id="{C44B17FE-2E14-47B6-B5A8-4363DE76952D}"/>
+              </a:ext>
+              <a:ext uri="{C183D7F6-B498-43B3-948B-1728B52AA6E4}">
+                <adec:decorative xmlns:adec="http://schemas.microsoft.com/office/drawing/2017/decorative" val="1"/>
+              </a:ext>
+            </a:extLst>
+          </p:cNvPr>
+          <p:cNvSpPr>
+            <a:spLocks noGrp="1" noRot="1" noChangeAspect="1" noMove="1" noResize="1" noEditPoints="1" noAdjustHandles="1" noChangeArrowheads="1" noChangeShapeType="1" noTextEdit="1"/>
+          </p:cNvSpPr>
+          <p:nvPr>
+            <p:extLst>
+              <p:ext uri="{386F3935-93C4-4BCD-93E2-E3B085C9AB24}">
+                <p16:designElem xmlns:p16="http://schemas.microsoft.com/office/powerpoint/2015/main" val="1"/>
+              </p:ext>
+            </p:extLst>
+          </p:nvPr>
+        </p:nvSpPr>
+        <p:spPr>
+          <a:xfrm>
+            <a:off x="0" y="0"/>
+            <a:ext cx="12192000" cy="6858000"/>
+          </a:xfrm>
+          <a:prstGeom prst="rect">
+            <a:avLst/>
+          </a:prstGeom>
+          <a:ln>
+            <a:noFill/>
+          </a:ln>
+        </p:spPr>
+        <p:style>
+          <a:lnRef idx="2">
+            <a:schemeClr val="accent1">
+              <a:shade val="50000"/>
+            </a:schemeClr>
+          </a:lnRef>
+          <a:fillRef idx="1">
+            <a:schemeClr val="accent1"/>
+          </a:fillRef>
+          <a:effectRef idx="0">
+            <a:schemeClr val="accent1"/>
+          </a:effectRef>
+          <a:fontRef idx="minor">
+            <a:schemeClr val="lt1"/>
+          </a:fontRef>
+        </p:style>
+        <p:txBody>
+          <a:bodyPr rtlCol="0" anchor="ctr"/>
+          <a:lstStyle/>
+          <a:p>
+            <a:pPr algn="ctr"/>
+            <a:endParaRPr lang="en-US"/>
+          </a:p>
+        </p:txBody>
+      </p:sp>
+      <p:sp>
+        <p:nvSpPr>
+          <p:cNvPr id="11" name="Rectangle 10">
+            <a:extLst>
+              <a:ext uri="{FF2B5EF4-FFF2-40B4-BE49-F238E27FC236}">
+                <a16:creationId xmlns:a16="http://schemas.microsoft.com/office/drawing/2014/main" id="{14E53280-E6EB-47D2-B0BB-78B772DC4B90}"/>
+              </a:ext>
+              <a:ext uri="{C183D7F6-B498-43B3-948B-1728B52AA6E4}">
+                <adec:decorative xmlns:adec="http://schemas.microsoft.com/office/drawing/2017/decorative" val="1"/>
+              </a:ext>
+            </a:extLst>
+          </p:cNvPr>
+          <p:cNvSpPr>
+            <a:spLocks noGrp="1" noRot="1" noChangeAspect="1" noMove="1" noResize="1" noEditPoints="1" noAdjustHandles="1" noChangeArrowheads="1" noChangeShapeType="1" noTextEdit="1"/>
+          </p:cNvSpPr>
+          <p:nvPr>
+            <p:extLst>
+              <p:ext uri="{386F3935-93C4-4BCD-93E2-E3B085C9AB24}">
+                <p16:designElem xmlns:p16="http://schemas.microsoft.com/office/powerpoint/2015/main" val="1"/>
+              </p:ext>
+            </p:extLst>
+          </p:nvPr>
+        </p:nvSpPr>
+        <p:spPr>
+          <a:xfrm>
+            <a:off x="474663" y="469900"/>
+            <a:ext cx="3695002" cy="5918200"/>
+          </a:xfrm>
+          <a:prstGeom prst="rect">
+            <a:avLst/>
+          </a:prstGeom>
+          <a:solidFill>
+            <a:srgbClr val="373737"/>
+          </a:solidFill>
+          <a:ln>
+            <a:noFill/>
+          </a:ln>
+          <a:effectLst>
+            <a:outerShdw blurRad="50800" dist="38100" dir="5400000" algn="t" rotWithShape="0">
+              <a:prstClr val="black">
+                <a:alpha val="40000"/>
+              </a:prstClr>
+            </a:outerShdw>
+          </a:effectLst>
+          <a:scene3d>
+            <a:camera prst="orthographicFront"/>
+            <a:lightRig rig="balanced" dir="t"/>
+          </a:scene3d>
+          <a:sp3d>
+            <a:bevelT w="6350" h="6350"/>
+          </a:sp3d>
+        </p:spPr>
+        <p:style>
+          <a:lnRef idx="2">
+            <a:schemeClr val="accent1">
+              <a:shade val="50000"/>
+            </a:schemeClr>
+          </a:lnRef>
+          <a:fillRef idx="1">
+            <a:schemeClr val="accent1"/>
+          </a:fillRef>
+          <a:effectRef idx="0">
+            <a:schemeClr val="accent1"/>
+          </a:effectRef>
+          <a:fontRef idx="minor">
+            <a:schemeClr val="lt1"/>
+          </a:fontRef>
+        </p:style>
+        <p:txBody>
+          <a:bodyPr rtlCol="0" anchor="ctr"/>
+          <a:lstStyle/>
+          <a:p>
+            <a:pPr algn="ctr"/>
+            <a:endParaRPr lang="en-US"/>
+          </a:p>
+        </p:txBody>
+      </p:sp>
+      <p:sp>
+        <p:nvSpPr>
+          <p:cNvPr id="2" name="Title 1"/>
+          <p:cNvSpPr>
+            <a:spLocks noGrp="1"/>
+          </p:cNvSpPr>
+          <p:nvPr>
+            <p:ph type="title"/>
+          </p:nvPr>
+        </p:nvSpPr>
+        <p:spPr>
+          <a:xfrm>
+            <a:off x="952108" y="954756"/>
+            <a:ext cx="2730414" cy="4946003"/>
+          </a:xfrm>
+        </p:spPr>
+        <p:txBody>
+          <a:bodyPr>
+            <a:normAutofit/>
+          </a:bodyPr>
+          <a:lstStyle/>
+          <a:p>
+            <a:r>
+              <a:rPr lang="en-US" sz="3600" dirty="0">
+                <a:solidFill>
+                  <a:srgbClr val="FFFFFF"/>
+                </a:solidFill>
+              </a:rPr>
+              <a:t>What is it?</a:t>
+            </a:r>
+          </a:p>
+        </p:txBody>
+      </p:sp>
+      <p:sp>
+        <p:nvSpPr>
+          <p:cNvPr id="13" name="Rectangle 12">
+            <a:extLst>
+              <a:ext uri="{FF2B5EF4-FFF2-40B4-BE49-F238E27FC236}">
+                <a16:creationId xmlns:a16="http://schemas.microsoft.com/office/drawing/2014/main" id="{E44C4738-31FA-4AA4-9D3A-9B0F0B1F5FBC}"/>
+              </a:ext>
+              <a:ext uri="{C183D7F6-B498-43B3-948B-1728B52AA6E4}">
+                <adec:decorative xmlns:adec="http://schemas.microsoft.com/office/drawing/2017/decorative" val="1"/>
+              </a:ext>
+            </a:extLst>
+          </p:cNvPr>
+          <p:cNvSpPr>
+            <a:spLocks noGrp="1" noRot="1" noChangeAspect="1" noMove="1" noResize="1" noEditPoints="1" noAdjustHandles="1" noChangeArrowheads="1" noChangeShapeType="1" noTextEdit="1"/>
+          </p:cNvSpPr>
+          <p:nvPr>
+            <p:extLst>
+              <p:ext uri="{386F3935-93C4-4BCD-93E2-E3B085C9AB24}">
+                <p16:designElem xmlns:p16="http://schemas.microsoft.com/office/powerpoint/2015/main" val="1"/>
+              </p:ext>
+            </p:extLst>
+          </p:nvPr>
+        </p:nvSpPr>
+        <p:spPr>
+          <a:xfrm>
+            <a:off x="639668" y="635508"/>
+            <a:ext cx="3364992" cy="5586984"/>
+          </a:xfrm>
+          <a:prstGeom prst="rect">
+            <a:avLst/>
+          </a:prstGeom>
+          <a:noFill/>
+          <a:ln w="15875" cap="flat">
+            <a:solidFill>
+              <a:schemeClr val="accent1"/>
+            </a:solidFill>
+            <a:miter lim="800000"/>
+          </a:ln>
+          <a:effectLst/>
+        </p:spPr>
+        <p:style>
+          <a:lnRef idx="1">
+            <a:schemeClr val="accent1"/>
+          </a:lnRef>
+          <a:fillRef idx="3">
+            <a:schemeClr val="accent1"/>
+          </a:fillRef>
+          <a:effectRef idx="2">
+            <a:schemeClr val="accent1"/>
+          </a:effectRef>
+          <a:fontRef idx="minor">
+            <a:schemeClr val="lt1"/>
+          </a:fontRef>
+        </p:style>
+      </p:sp>
+      <p:sp>
+        <p:nvSpPr>
+          <p:cNvPr id="15" name="Rectangle 14">
+            <a:extLst>
+              <a:ext uri="{FF2B5EF4-FFF2-40B4-BE49-F238E27FC236}">
+                <a16:creationId xmlns:a16="http://schemas.microsoft.com/office/drawing/2014/main" id="{809F3F69-CB9E-4C14-8F9B-7565980C8770}"/>
+              </a:ext>
+              <a:ext uri="{C183D7F6-B498-43B3-948B-1728B52AA6E4}">
+                <adec:decorative xmlns:adec="http://schemas.microsoft.com/office/drawing/2017/decorative" val="1"/>
+              </a:ext>
+            </a:extLst>
+          </p:cNvPr>
+          <p:cNvSpPr>
+            <a:spLocks noGrp="1" noRot="1" noChangeAspect="1" noMove="1" noResize="1" noEditPoints="1" noAdjustHandles="1" noChangeArrowheads="1" noChangeShapeType="1" noTextEdit="1"/>
+          </p:cNvSpPr>
+          <p:nvPr>
+            <p:extLst>
+              <p:ext uri="{386F3935-93C4-4BCD-93E2-E3B085C9AB24}">
+                <p16:designElem xmlns:p16="http://schemas.microsoft.com/office/powerpoint/2015/main" val="1"/>
+              </p:ext>
+            </p:extLst>
+          </p:nvPr>
+        </p:nvSpPr>
+        <p:spPr>
+          <a:xfrm>
+            <a:off x="4654296" y="0"/>
+            <a:ext cx="7537704" cy="6858000"/>
+          </a:xfrm>
+          <a:prstGeom prst="rect">
+            <a:avLst/>
+          </a:prstGeom>
+          <a:gradFill>
+            <a:gsLst>
+              <a:gs pos="0">
+                <a:srgbClr val="FFFFFF"/>
+              </a:gs>
+              <a:gs pos="30000">
+                <a:srgbClr val="FFFFFF"/>
+              </a:gs>
+              <a:gs pos="61000">
+                <a:srgbClr val="F8F8F8"/>
+              </a:gs>
+              <a:gs pos="97000">
+                <a:srgbClr val="E5E5E5"/>
+              </a:gs>
+            </a:gsLst>
+            <a:path path="circle">
+              <a:fillToRect l="50000" t="50000" r="50000" b="50000"/>
+            </a:path>
+          </a:gradFill>
+          <a:ln>
+            <a:noFill/>
+          </a:ln>
+          <a:effectLst>
+            <a:innerShdw blurRad="63500" dist="12700" dir="10800000">
+              <a:prstClr val="black">
+                <a:alpha val="35000"/>
+              </a:prstClr>
+            </a:innerShdw>
+          </a:effectLst>
+        </p:spPr>
+        <p:style>
+          <a:lnRef idx="2">
+            <a:schemeClr val="accent1">
+              <a:shade val="50000"/>
+            </a:schemeClr>
+          </a:lnRef>
+          <a:fillRef idx="1">
+            <a:schemeClr val="accent1"/>
+          </a:fillRef>
+          <a:effectRef idx="0">
+            <a:schemeClr val="accent1"/>
+          </a:effectRef>
+          <a:fontRef idx="minor">
+            <a:schemeClr val="lt1"/>
+          </a:fontRef>
+        </p:style>
+        <p:txBody>
+          <a:bodyPr rtlCol="0" anchor="ctr"/>
+          <a:lstStyle/>
+          <a:p>
+            <a:pPr algn="ctr"/>
+            <a:endParaRPr lang="en-US"/>
+          </a:p>
+        </p:txBody>
+      </p:sp>
+      <p:sp>
+        <p:nvSpPr>
+          <p:cNvPr id="3" name="Content Placeholder 2"/>
+          <p:cNvSpPr>
+            <a:spLocks noGrp="1"/>
+          </p:cNvSpPr>
+          <p:nvPr>
+            <p:ph idx="1"/>
+          </p:nvPr>
+        </p:nvSpPr>
+        <p:spPr>
+          <a:xfrm>
+            <a:off x="5140934" y="469900"/>
+            <a:ext cx="5953630" cy="5405968"/>
+          </a:xfrm>
+        </p:spPr>
+        <p:txBody>
+          <a:bodyPr anchor="ctr">
+            <a:normAutofit/>
+          </a:bodyPr>
+          <a:lstStyle/>
+          <a:p>
+            <a:r>
+              <a:rPr lang="en-IN" sz="4000" dirty="0"/>
+              <a:t>Reflection is commonly used by programs which require the ability to examine or modify the runtime behaviour of applications running in the Java virtual machine</a:t>
+            </a:r>
+            <a:endParaRPr sz="4000" dirty="0">
+              <a:solidFill>
+                <a:srgbClr val="212121"/>
+              </a:solidFill>
+            </a:endParaRPr>
+          </a:p>
+        </p:txBody>
+      </p:sp>
+    </p:spTree>
+    <p:extLst>
+      <p:ext uri="{BB962C8B-B14F-4D97-AF65-F5344CB8AC3E}">
+        <p14:creationId xmlns:p14="http://schemas.microsoft.com/office/powerpoint/2010/main" val="1312024149"/>
+      </p:ext>
+    </p:extLst>
+  </p:cSld>
+  <p:clrMapOvr>
+    <a:masterClrMapping/>
+  </p:clrMapOvr>
+</p:sld>
+</file>
+
+<file path=ppt/slides/slide4.xml><?xml version="1.0" encoding="utf-8"?>
+<p:sld xmlns:a="http://schemas.openxmlformats.org/drawingml/2006/main" xmlns:r="http://schemas.openxmlformats.org/officeDocument/2006/relationships" xmlns:p="http://schemas.openxmlformats.org/presentationml/2006/main">
+  <p:cSld>
+    <p:bg>
+      <p:bgPr>
+        <a:blipFill>
+          <a:blip r:embed="rId2"/>
+          <a:stretch/>
+        </a:blipFill>
+        <a:effectLst/>
+      </p:bgPr>
+    </p:bg>
+    <p:spTree>
+      <p:nvGrpSpPr>
+        <p:cNvPr id="1" name=""/>
+        <p:cNvGrpSpPr/>
+        <p:nvPr/>
+      </p:nvGrpSpPr>
+      <p:grpSpPr>
+        <a:xfrm>
+          <a:off x="0" y="0"/>
+          <a:ext cx="0" cy="0"/>
+          <a:chOff x="0" y="0"/>
+          <a:chExt cx="0" cy="0"/>
+        </a:xfrm>
+      </p:grpSpPr>
+      <p:sp useBgFill="1">
+        <p:nvSpPr>
+          <p:cNvPr id="9" name="Rectangle 8">
+            <a:extLst>
+              <a:ext uri="{FF2B5EF4-FFF2-40B4-BE49-F238E27FC236}">
+                <a16:creationId xmlns:a16="http://schemas.microsoft.com/office/drawing/2014/main" id="{C44B17FE-2E14-47B6-B5A8-4363DE76952D}"/>
+              </a:ext>
+              <a:ext uri="{C183D7F6-B498-43B3-948B-1728B52AA6E4}">
+                <adec:decorative xmlns:adec="http://schemas.microsoft.com/office/drawing/2017/decorative" val="1"/>
+              </a:ext>
+            </a:extLst>
+          </p:cNvPr>
+          <p:cNvSpPr>
+            <a:spLocks noGrp="1" noRot="1" noChangeAspect="1" noMove="1" noResize="1" noEditPoints="1" noAdjustHandles="1" noChangeArrowheads="1" noChangeShapeType="1" noTextEdit="1"/>
+          </p:cNvSpPr>
+          <p:nvPr>
+            <p:extLst>
+              <p:ext uri="{386F3935-93C4-4BCD-93E2-E3B085C9AB24}">
+                <p16:designElem xmlns:p16="http://schemas.microsoft.com/office/powerpoint/2015/main" val="1"/>
+              </p:ext>
+            </p:extLst>
+          </p:nvPr>
+        </p:nvSpPr>
+        <p:spPr>
+          <a:xfrm>
+            <a:off x="0" y="0"/>
+            <a:ext cx="12192000" cy="6858000"/>
+          </a:xfrm>
+          <a:prstGeom prst="rect">
+            <a:avLst/>
+          </a:prstGeom>
+          <a:ln>
+            <a:noFill/>
+          </a:ln>
+        </p:spPr>
+        <p:style>
+          <a:lnRef idx="2">
+            <a:schemeClr val="accent1">
+              <a:shade val="50000"/>
+            </a:schemeClr>
+          </a:lnRef>
+          <a:fillRef idx="1">
+            <a:schemeClr val="accent1"/>
+          </a:fillRef>
+          <a:effectRef idx="0">
+            <a:schemeClr val="accent1"/>
+          </a:effectRef>
+          <a:fontRef idx="minor">
+            <a:schemeClr val="lt1"/>
+          </a:fontRef>
+        </p:style>
+        <p:txBody>
+          <a:bodyPr rtlCol="0" anchor="ctr"/>
+          <a:lstStyle/>
+          <a:p>
+            <a:pPr algn="ctr"/>
+            <a:endParaRPr lang="en-US"/>
+          </a:p>
+        </p:txBody>
+      </p:sp>
+      <p:sp>
+        <p:nvSpPr>
+          <p:cNvPr id="11" name="Rectangle 10">
+            <a:extLst>
+              <a:ext uri="{FF2B5EF4-FFF2-40B4-BE49-F238E27FC236}">
+                <a16:creationId xmlns:a16="http://schemas.microsoft.com/office/drawing/2014/main" id="{14E53280-E6EB-47D2-B0BB-78B772DC4B90}"/>
+              </a:ext>
+              <a:ext uri="{C183D7F6-B498-43B3-948B-1728B52AA6E4}">
+                <adec:decorative xmlns:adec="http://schemas.microsoft.com/office/drawing/2017/decorative" val="1"/>
+              </a:ext>
+            </a:extLst>
+          </p:cNvPr>
+          <p:cNvSpPr>
+            <a:spLocks noGrp="1" noRot="1" noChangeAspect="1" noMove="1" noResize="1" noEditPoints="1" noAdjustHandles="1" noChangeArrowheads="1" noChangeShapeType="1" noTextEdit="1"/>
+          </p:cNvSpPr>
+          <p:nvPr>
+            <p:extLst>
+              <p:ext uri="{386F3935-93C4-4BCD-93E2-E3B085C9AB24}">
+                <p16:designElem xmlns:p16="http://schemas.microsoft.com/office/powerpoint/2015/main" val="1"/>
+              </p:ext>
+            </p:extLst>
+          </p:nvPr>
+        </p:nvSpPr>
+        <p:spPr>
+          <a:xfrm>
+            <a:off x="474663" y="469900"/>
+            <a:ext cx="3695002" cy="5918200"/>
+          </a:xfrm>
+          <a:prstGeom prst="rect">
+            <a:avLst/>
+          </a:prstGeom>
+          <a:solidFill>
+            <a:srgbClr val="373737"/>
+          </a:solidFill>
+          <a:ln>
+            <a:noFill/>
+          </a:ln>
+          <a:effectLst>
+            <a:outerShdw blurRad="50800" dist="38100" dir="5400000" algn="t" rotWithShape="0">
+              <a:prstClr val="black">
+                <a:alpha val="40000"/>
+              </a:prstClr>
+            </a:outerShdw>
+          </a:effectLst>
+          <a:scene3d>
+            <a:camera prst="orthographicFront"/>
+            <a:lightRig rig="balanced" dir="t"/>
+          </a:scene3d>
+          <a:sp3d>
+            <a:bevelT w="6350" h="6350"/>
+          </a:sp3d>
+        </p:spPr>
+        <p:style>
+          <a:lnRef idx="2">
+            <a:schemeClr val="accent1">
+              <a:shade val="50000"/>
+            </a:schemeClr>
+          </a:lnRef>
+          <a:fillRef idx="1">
+            <a:schemeClr val="accent1"/>
+          </a:fillRef>
+          <a:effectRef idx="0">
+            <a:schemeClr val="accent1"/>
+          </a:effectRef>
+          <a:fontRef idx="minor">
+            <a:schemeClr val="lt1"/>
+          </a:fontRef>
+        </p:style>
+        <p:txBody>
+          <a:bodyPr rtlCol="0" anchor="ctr"/>
+          <a:lstStyle/>
+          <a:p>
+            <a:pPr algn="ctr"/>
+            <a:endParaRPr lang="en-US"/>
+          </a:p>
+        </p:txBody>
+      </p:sp>
+      <p:sp>
+        <p:nvSpPr>
+          <p:cNvPr id="2" name="Title 1"/>
+          <p:cNvSpPr>
+            <a:spLocks noGrp="1"/>
+          </p:cNvSpPr>
+          <p:nvPr>
+            <p:ph type="title"/>
+          </p:nvPr>
+        </p:nvSpPr>
+        <p:spPr>
+          <a:xfrm>
+            <a:off x="952108" y="954756"/>
+            <a:ext cx="2730414" cy="4946003"/>
+          </a:xfrm>
+        </p:spPr>
+        <p:txBody>
+          <a:bodyPr>
+            <a:normAutofit/>
+          </a:bodyPr>
+          <a:lstStyle/>
+          <a:p>
+            <a:r>
+              <a:rPr lang="en-US" sz="3600" dirty="0">
+                <a:solidFill>
+                  <a:srgbClr val="FFFFFF"/>
+                </a:solidFill>
+              </a:rPr>
+              <a:t>Advantages</a:t>
+            </a:r>
+          </a:p>
+        </p:txBody>
+      </p:sp>
+      <p:sp>
+        <p:nvSpPr>
+          <p:cNvPr id="13" name="Rectangle 12">
+            <a:extLst>
+              <a:ext uri="{FF2B5EF4-FFF2-40B4-BE49-F238E27FC236}">
+                <a16:creationId xmlns:a16="http://schemas.microsoft.com/office/drawing/2014/main" id="{E44C4738-31FA-4AA4-9D3A-9B0F0B1F5FBC}"/>
+              </a:ext>
+              <a:ext uri="{C183D7F6-B498-43B3-948B-1728B52AA6E4}">
+                <adec:decorative xmlns:adec="http://schemas.microsoft.com/office/drawing/2017/decorative" val="1"/>
+              </a:ext>
+            </a:extLst>
+          </p:cNvPr>
+          <p:cNvSpPr>
+            <a:spLocks noGrp="1" noRot="1" noChangeAspect="1" noMove="1" noResize="1" noEditPoints="1" noAdjustHandles="1" noChangeArrowheads="1" noChangeShapeType="1" noTextEdit="1"/>
+          </p:cNvSpPr>
+          <p:nvPr>
+            <p:extLst>
+              <p:ext uri="{386F3935-93C4-4BCD-93E2-E3B085C9AB24}">
+                <p16:designElem xmlns:p16="http://schemas.microsoft.com/office/powerpoint/2015/main" val="1"/>
+              </p:ext>
+            </p:extLst>
+          </p:nvPr>
+        </p:nvSpPr>
+        <p:spPr>
+          <a:xfrm>
+            <a:off x="639668" y="635508"/>
+            <a:ext cx="3364992" cy="5586984"/>
+          </a:xfrm>
+          <a:prstGeom prst="rect">
+            <a:avLst/>
+          </a:prstGeom>
+          <a:noFill/>
+          <a:ln w="15875" cap="flat">
+            <a:solidFill>
+              <a:schemeClr val="accent1"/>
+            </a:solidFill>
+            <a:miter lim="800000"/>
+          </a:ln>
+          <a:effectLst/>
+        </p:spPr>
+        <p:style>
+          <a:lnRef idx="1">
+            <a:schemeClr val="accent1"/>
+          </a:lnRef>
+          <a:fillRef idx="3">
+            <a:schemeClr val="accent1"/>
+          </a:fillRef>
+          <a:effectRef idx="2">
+            <a:schemeClr val="accent1"/>
+          </a:effectRef>
+          <a:fontRef idx="minor">
+            <a:schemeClr val="lt1"/>
+          </a:fontRef>
+        </p:style>
+      </p:sp>
+      <p:sp>
+        <p:nvSpPr>
+          <p:cNvPr id="15" name="Rectangle 14">
+            <a:extLst>
+              <a:ext uri="{FF2B5EF4-FFF2-40B4-BE49-F238E27FC236}">
+                <a16:creationId xmlns:a16="http://schemas.microsoft.com/office/drawing/2014/main" id="{809F3F69-CB9E-4C14-8F9B-7565980C8770}"/>
+              </a:ext>
+              <a:ext uri="{C183D7F6-B498-43B3-948B-1728B52AA6E4}">
+                <adec:decorative xmlns:adec="http://schemas.microsoft.com/office/drawing/2017/decorative" val="1"/>
+              </a:ext>
+            </a:extLst>
+          </p:cNvPr>
+          <p:cNvSpPr>
+            <a:spLocks noGrp="1" noRot="1" noChangeAspect="1" noMove="1" noResize="1" noEditPoints="1" noAdjustHandles="1" noChangeArrowheads="1" noChangeShapeType="1" noTextEdit="1"/>
+          </p:cNvSpPr>
+          <p:nvPr>
+            <p:extLst>
+              <p:ext uri="{386F3935-93C4-4BCD-93E2-E3B085C9AB24}">
+                <p16:designElem xmlns:p16="http://schemas.microsoft.com/office/powerpoint/2015/main" val="1"/>
+              </p:ext>
+            </p:extLst>
+          </p:nvPr>
+        </p:nvSpPr>
+        <p:spPr>
+          <a:xfrm>
+            <a:off x="4654296" y="0"/>
+            <a:ext cx="7537704" cy="6858000"/>
+          </a:xfrm>
+          <a:prstGeom prst="rect">
+            <a:avLst/>
+          </a:prstGeom>
+          <a:gradFill>
+            <a:gsLst>
+              <a:gs pos="0">
+                <a:srgbClr val="FFFFFF"/>
+              </a:gs>
+              <a:gs pos="30000">
+                <a:srgbClr val="FFFFFF"/>
+              </a:gs>
+              <a:gs pos="61000">
+                <a:srgbClr val="F8F8F8"/>
+              </a:gs>
+              <a:gs pos="97000">
+                <a:srgbClr val="E5E5E5"/>
+              </a:gs>
+            </a:gsLst>
+            <a:path path="circle">
+              <a:fillToRect l="50000" t="50000" r="50000" b="50000"/>
+            </a:path>
+          </a:gradFill>
+          <a:ln>
+            <a:noFill/>
+          </a:ln>
+          <a:effectLst>
+            <a:innerShdw blurRad="63500" dist="12700" dir="10800000">
+              <a:prstClr val="black">
+                <a:alpha val="35000"/>
+              </a:prstClr>
+            </a:innerShdw>
+          </a:effectLst>
+        </p:spPr>
+        <p:style>
+          <a:lnRef idx="2">
+            <a:schemeClr val="accent1">
+              <a:shade val="50000"/>
+            </a:schemeClr>
+          </a:lnRef>
+          <a:fillRef idx="1">
+            <a:schemeClr val="accent1"/>
+          </a:fillRef>
+          <a:effectRef idx="0">
+            <a:schemeClr val="accent1"/>
+          </a:effectRef>
+          <a:fontRef idx="minor">
+            <a:schemeClr val="lt1"/>
+          </a:fontRef>
+        </p:style>
+        <p:txBody>
+          <a:bodyPr rtlCol="0" anchor="ctr"/>
+          <a:lstStyle/>
+          <a:p>
+            <a:pPr algn="ctr"/>
+            <a:endParaRPr lang="en-US"/>
+          </a:p>
+        </p:txBody>
+      </p:sp>
+      <p:sp>
+        <p:nvSpPr>
+          <p:cNvPr id="3" name="Content Placeholder 2"/>
+          <p:cNvSpPr>
+            <a:spLocks noGrp="1"/>
+          </p:cNvSpPr>
+          <p:nvPr>
+            <p:ph idx="1"/>
+          </p:nvPr>
+        </p:nvSpPr>
+        <p:spPr>
+          <a:xfrm>
+            <a:off x="5140934" y="469900"/>
+            <a:ext cx="5953630" cy="5405968"/>
+          </a:xfrm>
+        </p:spPr>
+        <p:txBody>
+          <a:bodyPr anchor="ctr">
+            <a:normAutofit/>
+          </a:bodyPr>
+          <a:lstStyle/>
+          <a:p>
+            <a:r>
+              <a:rPr lang="en-US" sz="4800" dirty="0">
+                <a:solidFill>
+                  <a:srgbClr val="212121"/>
+                </a:solidFill>
+              </a:rPr>
+              <a:t>Extensibility</a:t>
+            </a:r>
+          </a:p>
+          <a:p>
+            <a:r>
+              <a:rPr lang="en-US" sz="4800" dirty="0">
+                <a:solidFill>
+                  <a:srgbClr val="212121"/>
+                </a:solidFill>
+              </a:rPr>
+              <a:t>Class Browsers and Visual IDE’s</a:t>
+            </a:r>
+          </a:p>
+          <a:p>
+            <a:r>
+              <a:rPr lang="en-US" sz="4800" dirty="0">
+                <a:solidFill>
+                  <a:srgbClr val="212121"/>
+                </a:solidFill>
+              </a:rPr>
+              <a:t>Debugging and Testing tools</a:t>
+            </a:r>
+            <a:endParaRPr sz="4800" dirty="0">
+              <a:solidFill>
+                <a:srgbClr val="212121"/>
+              </a:solidFill>
+            </a:endParaRPr>
+          </a:p>
+        </p:txBody>
+      </p:sp>
+    </p:spTree>
+    <p:extLst>
+      <p:ext uri="{BB962C8B-B14F-4D97-AF65-F5344CB8AC3E}">
+        <p14:creationId xmlns:p14="http://schemas.microsoft.com/office/powerpoint/2010/main" val="4237534973"/>
       </p:ext>
     </p:extLst>
   </p:cSld>
@@ -9144,7 +7749,7 @@
         <p:spPr>
           <a:xfrm>
             <a:off x="952108" y="954756"/>
-            <a:ext cx="2730414" cy="4946003"/>
+            <a:ext cx="2857892" cy="4946003"/>
           </a:xfrm>
         </p:spPr>
         <p:txBody>
@@ -9159,7 +7764,7 @@
                   <a:srgbClr val="FFFFFF"/>
                 </a:solidFill>
               </a:rPr>
-              <a:t>What is it?</a:t>
+              <a:t>Disadvantages</a:t>
             </a:r>
           </a:p>
         </p:txBody>
@@ -9328,10 +7933,34 @@
           <a:lstStyle/>
           <a:p>
             <a:r>
-              <a:rPr lang="en-IN" sz="4000" dirty="0"/>
-              <a:t>Reflection is commonly used by programs which require the ability to examine or modify the runtime behaviour of applications running in the Java virtual machine</a:t>
-            </a:r>
-            <a:endParaRPr sz="4000" dirty="0">
+              <a:rPr lang="en-US" sz="4800" dirty="0">
+                <a:solidFill>
+                  <a:srgbClr val="212121"/>
+                </a:solidFill>
+              </a:rPr>
+              <a:t>Performance overhead</a:t>
+            </a:r>
+          </a:p>
+          <a:p>
+            <a:r>
+              <a:rPr lang="en-US" sz="4800" dirty="0">
+                <a:solidFill>
+                  <a:srgbClr val="212121"/>
+                </a:solidFill>
+              </a:rPr>
+              <a:t>Security Aspects</a:t>
+            </a:r>
+          </a:p>
+          <a:p>
+            <a:r>
+              <a:rPr lang="en-US" sz="4800" dirty="0">
+                <a:solidFill>
+                  <a:srgbClr val="212121"/>
+                </a:solidFill>
+              </a:rPr>
+              <a:t>Exposure of Internals</a:t>
+            </a:r>
+            <a:endParaRPr sz="4800" dirty="0">
               <a:solidFill>
                 <a:srgbClr val="212121"/>
               </a:solidFill>
@@ -9342,7 +7971,7 @@
     </p:spTree>
     <p:extLst>
       <p:ext uri="{BB962C8B-B14F-4D97-AF65-F5344CB8AC3E}">
-        <p14:creationId xmlns:p14="http://schemas.microsoft.com/office/powerpoint/2010/main" val="1312024149"/>
+        <p14:creationId xmlns:p14="http://schemas.microsoft.com/office/powerpoint/2010/main" val="25391344"/>
       </p:ext>
     </p:extLst>
   </p:cSld>
@@ -9543,7 +8172,7 @@
                   <a:srgbClr val="FFFFFF"/>
                 </a:solidFill>
               </a:rPr>
-              <a:t>Advantages</a:t>
+              <a:t>What’s next?</a:t>
             </a:r>
           </a:p>
         </p:txBody>
@@ -9696,7 +8325,7 @@
             <a:spLocks noGrp="1"/>
           </p:cNvSpPr>
           <p:nvPr>
-            <p:ph idx="1"/>
+            <p:ph type="body" idx="1"/>
           </p:nvPr>
         </p:nvSpPr>
         <p:spPr>
@@ -9707,834 +8336,31 @@
         </p:spPr>
         <p:txBody>
           <a:bodyPr anchor="ctr">
-            <a:normAutofit/>
+            <a:noAutofit/>
           </a:bodyPr>
           <a:lstStyle/>
           <a:p>
             <a:r>
-              <a:rPr lang="en-US" sz="4800" dirty="0">
+              <a:rPr lang="en-US" sz="3600" dirty="0">
                 <a:solidFill>
                   <a:srgbClr val="212121"/>
                 </a:solidFill>
               </a:rPr>
-              <a:t>Extensibility</a:t>
-            </a:r>
-          </a:p>
-          <a:p>
-            <a:r>
-              <a:rPr lang="en-US" sz="4800" dirty="0">
+              <a:t>Deep dive tutorials in accessing java classes </a:t>
+            </a:r>
+            <a:r>
+              <a:rPr lang="en-US" sz="3600">
                 <a:solidFill>
                   <a:srgbClr val="212121"/>
                 </a:solidFill>
               </a:rPr>
-              <a:t>Class Browsers and Visual IDE’s</a:t>
-            </a:r>
-          </a:p>
-          <a:p>
-            <a:r>
-              <a:rPr lang="en-US" sz="4800" dirty="0">
-                <a:solidFill>
-                  <a:srgbClr val="212121"/>
-                </a:solidFill>
-              </a:rPr>
-              <a:t>Debugging and Testing tools</a:t>
-            </a:r>
-            <a:endParaRPr sz="4800" dirty="0">
+              <a:t>using reflection.</a:t>
+            </a:r>
+            <a:endParaRPr lang="en-US" sz="3600" dirty="0">
               <a:solidFill>
                 <a:srgbClr val="212121"/>
               </a:solidFill>
             </a:endParaRPr>
-          </a:p>
-        </p:txBody>
-      </p:sp>
-    </p:spTree>
-    <p:extLst>
-      <p:ext uri="{BB962C8B-B14F-4D97-AF65-F5344CB8AC3E}">
-        <p14:creationId xmlns:p14="http://schemas.microsoft.com/office/powerpoint/2010/main" val="4237534973"/>
-      </p:ext>
-    </p:extLst>
-  </p:cSld>
-  <p:clrMapOvr>
-    <a:masterClrMapping/>
-  </p:clrMapOvr>
-</p:sld>
-</file>
-
-<file path=ppt/slides/slide7.xml><?xml version="1.0" encoding="utf-8"?>
-<p:sld xmlns:a="http://schemas.openxmlformats.org/drawingml/2006/main" xmlns:r="http://schemas.openxmlformats.org/officeDocument/2006/relationships" xmlns:p="http://schemas.openxmlformats.org/presentationml/2006/main">
-  <p:cSld>
-    <p:bg>
-      <p:bgPr>
-        <a:blipFill>
-          <a:blip r:embed="rId2"/>
-          <a:stretch/>
-        </a:blipFill>
-        <a:effectLst/>
-      </p:bgPr>
-    </p:bg>
-    <p:spTree>
-      <p:nvGrpSpPr>
-        <p:cNvPr id="1" name=""/>
-        <p:cNvGrpSpPr/>
-        <p:nvPr/>
-      </p:nvGrpSpPr>
-      <p:grpSpPr>
-        <a:xfrm>
-          <a:off x="0" y="0"/>
-          <a:ext cx="0" cy="0"/>
-          <a:chOff x="0" y="0"/>
-          <a:chExt cx="0" cy="0"/>
-        </a:xfrm>
-      </p:grpSpPr>
-      <p:sp useBgFill="1">
-        <p:nvSpPr>
-          <p:cNvPr id="9" name="Rectangle 8">
-            <a:extLst>
-              <a:ext uri="{FF2B5EF4-FFF2-40B4-BE49-F238E27FC236}">
-                <a16:creationId xmlns:a16="http://schemas.microsoft.com/office/drawing/2014/main" id="{C44B17FE-2E14-47B6-B5A8-4363DE76952D}"/>
-              </a:ext>
-              <a:ext uri="{C183D7F6-B498-43B3-948B-1728B52AA6E4}">
-                <adec:decorative xmlns:adec="http://schemas.microsoft.com/office/drawing/2017/decorative" val="1"/>
-              </a:ext>
-            </a:extLst>
-          </p:cNvPr>
-          <p:cNvSpPr>
-            <a:spLocks noGrp="1" noRot="1" noChangeAspect="1" noMove="1" noResize="1" noEditPoints="1" noAdjustHandles="1" noChangeArrowheads="1" noChangeShapeType="1" noTextEdit="1"/>
-          </p:cNvSpPr>
-          <p:nvPr>
-            <p:extLst>
-              <p:ext uri="{386F3935-93C4-4BCD-93E2-E3B085C9AB24}">
-                <p16:designElem xmlns:p16="http://schemas.microsoft.com/office/powerpoint/2015/main" val="1"/>
-              </p:ext>
-            </p:extLst>
-          </p:nvPr>
-        </p:nvSpPr>
-        <p:spPr>
-          <a:xfrm>
-            <a:off x="0" y="0"/>
-            <a:ext cx="12192000" cy="6858000"/>
-          </a:xfrm>
-          <a:prstGeom prst="rect">
-            <a:avLst/>
-          </a:prstGeom>
-          <a:ln>
-            <a:noFill/>
-          </a:ln>
-        </p:spPr>
-        <p:style>
-          <a:lnRef idx="2">
-            <a:schemeClr val="accent1">
-              <a:shade val="50000"/>
-            </a:schemeClr>
-          </a:lnRef>
-          <a:fillRef idx="1">
-            <a:schemeClr val="accent1"/>
-          </a:fillRef>
-          <a:effectRef idx="0">
-            <a:schemeClr val="accent1"/>
-          </a:effectRef>
-          <a:fontRef idx="minor">
-            <a:schemeClr val="lt1"/>
-          </a:fontRef>
-        </p:style>
-        <p:txBody>
-          <a:bodyPr rtlCol="0" anchor="ctr"/>
-          <a:lstStyle/>
-          <a:p>
-            <a:pPr algn="ctr"/>
-            <a:endParaRPr lang="en-US"/>
-          </a:p>
-        </p:txBody>
-      </p:sp>
-      <p:sp>
-        <p:nvSpPr>
-          <p:cNvPr id="11" name="Rectangle 10">
-            <a:extLst>
-              <a:ext uri="{FF2B5EF4-FFF2-40B4-BE49-F238E27FC236}">
-                <a16:creationId xmlns:a16="http://schemas.microsoft.com/office/drawing/2014/main" id="{14E53280-E6EB-47D2-B0BB-78B772DC4B90}"/>
-              </a:ext>
-              <a:ext uri="{C183D7F6-B498-43B3-948B-1728B52AA6E4}">
-                <adec:decorative xmlns:adec="http://schemas.microsoft.com/office/drawing/2017/decorative" val="1"/>
-              </a:ext>
-            </a:extLst>
-          </p:cNvPr>
-          <p:cNvSpPr>
-            <a:spLocks noGrp="1" noRot="1" noChangeAspect="1" noMove="1" noResize="1" noEditPoints="1" noAdjustHandles="1" noChangeArrowheads="1" noChangeShapeType="1" noTextEdit="1"/>
-          </p:cNvSpPr>
-          <p:nvPr>
-            <p:extLst>
-              <p:ext uri="{386F3935-93C4-4BCD-93E2-E3B085C9AB24}">
-                <p16:designElem xmlns:p16="http://schemas.microsoft.com/office/powerpoint/2015/main" val="1"/>
-              </p:ext>
-            </p:extLst>
-          </p:nvPr>
-        </p:nvSpPr>
-        <p:spPr>
-          <a:xfrm>
-            <a:off x="474663" y="469900"/>
-            <a:ext cx="3695002" cy="5918200"/>
-          </a:xfrm>
-          <a:prstGeom prst="rect">
-            <a:avLst/>
-          </a:prstGeom>
-          <a:solidFill>
-            <a:srgbClr val="373737"/>
-          </a:solidFill>
-          <a:ln>
-            <a:noFill/>
-          </a:ln>
-          <a:effectLst>
-            <a:outerShdw blurRad="50800" dist="38100" dir="5400000" algn="t" rotWithShape="0">
-              <a:prstClr val="black">
-                <a:alpha val="40000"/>
-              </a:prstClr>
-            </a:outerShdw>
-          </a:effectLst>
-          <a:scene3d>
-            <a:camera prst="orthographicFront"/>
-            <a:lightRig rig="balanced" dir="t"/>
-          </a:scene3d>
-          <a:sp3d>
-            <a:bevelT w="6350" h="6350"/>
-          </a:sp3d>
-        </p:spPr>
-        <p:style>
-          <a:lnRef idx="2">
-            <a:schemeClr val="accent1">
-              <a:shade val="50000"/>
-            </a:schemeClr>
-          </a:lnRef>
-          <a:fillRef idx="1">
-            <a:schemeClr val="accent1"/>
-          </a:fillRef>
-          <a:effectRef idx="0">
-            <a:schemeClr val="accent1"/>
-          </a:effectRef>
-          <a:fontRef idx="minor">
-            <a:schemeClr val="lt1"/>
-          </a:fontRef>
-        </p:style>
-        <p:txBody>
-          <a:bodyPr rtlCol="0" anchor="ctr"/>
-          <a:lstStyle/>
-          <a:p>
-            <a:pPr algn="ctr"/>
-            <a:endParaRPr lang="en-US"/>
-          </a:p>
-        </p:txBody>
-      </p:sp>
-      <p:sp>
-        <p:nvSpPr>
-          <p:cNvPr id="2" name="Title 1"/>
-          <p:cNvSpPr>
-            <a:spLocks noGrp="1"/>
-          </p:cNvSpPr>
-          <p:nvPr>
-            <p:ph type="title"/>
-          </p:nvPr>
-        </p:nvSpPr>
-        <p:spPr>
-          <a:xfrm>
-            <a:off x="952108" y="954756"/>
-            <a:ext cx="2857892" cy="4946003"/>
-          </a:xfrm>
-        </p:spPr>
-        <p:txBody>
-          <a:bodyPr>
-            <a:normAutofit/>
-          </a:bodyPr>
-          <a:lstStyle/>
-          <a:p>
-            <a:r>
-              <a:rPr lang="en-US" sz="3600" dirty="0">
-                <a:solidFill>
-                  <a:srgbClr val="FFFFFF"/>
-                </a:solidFill>
-              </a:rPr>
-              <a:t>Disadvantages</a:t>
-            </a:r>
-          </a:p>
-        </p:txBody>
-      </p:sp>
-      <p:sp>
-        <p:nvSpPr>
-          <p:cNvPr id="13" name="Rectangle 12">
-            <a:extLst>
-              <a:ext uri="{FF2B5EF4-FFF2-40B4-BE49-F238E27FC236}">
-                <a16:creationId xmlns:a16="http://schemas.microsoft.com/office/drawing/2014/main" id="{E44C4738-31FA-4AA4-9D3A-9B0F0B1F5FBC}"/>
-              </a:ext>
-              <a:ext uri="{C183D7F6-B498-43B3-948B-1728B52AA6E4}">
-                <adec:decorative xmlns:adec="http://schemas.microsoft.com/office/drawing/2017/decorative" val="1"/>
-              </a:ext>
-            </a:extLst>
-          </p:cNvPr>
-          <p:cNvSpPr>
-            <a:spLocks noGrp="1" noRot="1" noChangeAspect="1" noMove="1" noResize="1" noEditPoints="1" noAdjustHandles="1" noChangeArrowheads="1" noChangeShapeType="1" noTextEdit="1"/>
-          </p:cNvSpPr>
-          <p:nvPr>
-            <p:extLst>
-              <p:ext uri="{386F3935-93C4-4BCD-93E2-E3B085C9AB24}">
-                <p16:designElem xmlns:p16="http://schemas.microsoft.com/office/powerpoint/2015/main" val="1"/>
-              </p:ext>
-            </p:extLst>
-          </p:nvPr>
-        </p:nvSpPr>
-        <p:spPr>
-          <a:xfrm>
-            <a:off x="639668" y="635508"/>
-            <a:ext cx="3364992" cy="5586984"/>
-          </a:xfrm>
-          <a:prstGeom prst="rect">
-            <a:avLst/>
-          </a:prstGeom>
-          <a:noFill/>
-          <a:ln w="15875" cap="flat">
-            <a:solidFill>
-              <a:schemeClr val="accent1"/>
-            </a:solidFill>
-            <a:miter lim="800000"/>
-          </a:ln>
-          <a:effectLst/>
-        </p:spPr>
-        <p:style>
-          <a:lnRef idx="1">
-            <a:schemeClr val="accent1"/>
-          </a:lnRef>
-          <a:fillRef idx="3">
-            <a:schemeClr val="accent1"/>
-          </a:fillRef>
-          <a:effectRef idx="2">
-            <a:schemeClr val="accent1"/>
-          </a:effectRef>
-          <a:fontRef idx="minor">
-            <a:schemeClr val="lt1"/>
-          </a:fontRef>
-        </p:style>
-      </p:sp>
-      <p:sp>
-        <p:nvSpPr>
-          <p:cNvPr id="15" name="Rectangle 14">
-            <a:extLst>
-              <a:ext uri="{FF2B5EF4-FFF2-40B4-BE49-F238E27FC236}">
-                <a16:creationId xmlns:a16="http://schemas.microsoft.com/office/drawing/2014/main" id="{809F3F69-CB9E-4C14-8F9B-7565980C8770}"/>
-              </a:ext>
-              <a:ext uri="{C183D7F6-B498-43B3-948B-1728B52AA6E4}">
-                <adec:decorative xmlns:adec="http://schemas.microsoft.com/office/drawing/2017/decorative" val="1"/>
-              </a:ext>
-            </a:extLst>
-          </p:cNvPr>
-          <p:cNvSpPr>
-            <a:spLocks noGrp="1" noRot="1" noChangeAspect="1" noMove="1" noResize="1" noEditPoints="1" noAdjustHandles="1" noChangeArrowheads="1" noChangeShapeType="1" noTextEdit="1"/>
-          </p:cNvSpPr>
-          <p:nvPr>
-            <p:extLst>
-              <p:ext uri="{386F3935-93C4-4BCD-93E2-E3B085C9AB24}">
-                <p16:designElem xmlns:p16="http://schemas.microsoft.com/office/powerpoint/2015/main" val="1"/>
-              </p:ext>
-            </p:extLst>
-          </p:nvPr>
-        </p:nvSpPr>
-        <p:spPr>
-          <a:xfrm>
-            <a:off x="4654296" y="0"/>
-            <a:ext cx="7537704" cy="6858000"/>
-          </a:xfrm>
-          <a:prstGeom prst="rect">
-            <a:avLst/>
-          </a:prstGeom>
-          <a:gradFill>
-            <a:gsLst>
-              <a:gs pos="0">
-                <a:srgbClr val="FFFFFF"/>
-              </a:gs>
-              <a:gs pos="30000">
-                <a:srgbClr val="FFFFFF"/>
-              </a:gs>
-              <a:gs pos="61000">
-                <a:srgbClr val="F8F8F8"/>
-              </a:gs>
-              <a:gs pos="97000">
-                <a:srgbClr val="E5E5E5"/>
-              </a:gs>
-            </a:gsLst>
-            <a:path path="circle">
-              <a:fillToRect l="50000" t="50000" r="50000" b="50000"/>
-            </a:path>
-          </a:gradFill>
-          <a:ln>
-            <a:noFill/>
-          </a:ln>
-          <a:effectLst>
-            <a:innerShdw blurRad="63500" dist="12700" dir="10800000">
-              <a:prstClr val="black">
-                <a:alpha val="35000"/>
-              </a:prstClr>
-            </a:innerShdw>
-          </a:effectLst>
-        </p:spPr>
-        <p:style>
-          <a:lnRef idx="2">
-            <a:schemeClr val="accent1">
-              <a:shade val="50000"/>
-            </a:schemeClr>
-          </a:lnRef>
-          <a:fillRef idx="1">
-            <a:schemeClr val="accent1"/>
-          </a:fillRef>
-          <a:effectRef idx="0">
-            <a:schemeClr val="accent1"/>
-          </a:effectRef>
-          <a:fontRef idx="minor">
-            <a:schemeClr val="lt1"/>
-          </a:fontRef>
-        </p:style>
-        <p:txBody>
-          <a:bodyPr rtlCol="0" anchor="ctr"/>
-          <a:lstStyle/>
-          <a:p>
-            <a:pPr algn="ctr"/>
-            <a:endParaRPr lang="en-US"/>
-          </a:p>
-        </p:txBody>
-      </p:sp>
-      <p:sp>
-        <p:nvSpPr>
-          <p:cNvPr id="3" name="Content Placeholder 2"/>
-          <p:cNvSpPr>
-            <a:spLocks noGrp="1"/>
-          </p:cNvSpPr>
-          <p:nvPr>
-            <p:ph idx="1"/>
-          </p:nvPr>
-        </p:nvSpPr>
-        <p:spPr>
-          <a:xfrm>
-            <a:off x="5140934" y="469900"/>
-            <a:ext cx="5953630" cy="5405968"/>
-          </a:xfrm>
-        </p:spPr>
-        <p:txBody>
-          <a:bodyPr anchor="ctr">
-            <a:normAutofit/>
-          </a:bodyPr>
-          <a:lstStyle/>
-          <a:p>
-            <a:r>
-              <a:rPr lang="en-US" sz="4800" dirty="0">
-                <a:solidFill>
-                  <a:srgbClr val="212121"/>
-                </a:solidFill>
-              </a:rPr>
-              <a:t>Performance overhead</a:t>
-            </a:r>
-          </a:p>
-          <a:p>
-            <a:r>
-              <a:rPr lang="en-US" sz="4800" dirty="0">
-                <a:solidFill>
-                  <a:srgbClr val="212121"/>
-                </a:solidFill>
-              </a:rPr>
-              <a:t>Security Aspects</a:t>
-            </a:r>
-          </a:p>
-          <a:p>
-            <a:r>
-              <a:rPr lang="en-US" sz="4800" dirty="0">
-                <a:solidFill>
-                  <a:srgbClr val="212121"/>
-                </a:solidFill>
-              </a:rPr>
-              <a:t>Exposure of Internals</a:t>
-            </a:r>
-            <a:endParaRPr sz="4800" dirty="0">
-              <a:solidFill>
-                <a:srgbClr val="212121"/>
-              </a:solidFill>
-            </a:endParaRPr>
-          </a:p>
-        </p:txBody>
-      </p:sp>
-    </p:spTree>
-    <p:extLst>
-      <p:ext uri="{BB962C8B-B14F-4D97-AF65-F5344CB8AC3E}">
-        <p14:creationId xmlns:p14="http://schemas.microsoft.com/office/powerpoint/2010/main" val="25391344"/>
-      </p:ext>
-    </p:extLst>
-  </p:cSld>
-  <p:clrMapOvr>
-    <a:masterClrMapping/>
-  </p:clrMapOvr>
-</p:sld>
-</file>
-
-<file path=ppt/slides/slide8.xml><?xml version="1.0" encoding="utf-8"?>
-<p:sld xmlns:a="http://schemas.openxmlformats.org/drawingml/2006/main" xmlns:r="http://schemas.openxmlformats.org/officeDocument/2006/relationships" xmlns:p="http://schemas.openxmlformats.org/presentationml/2006/main">
-  <p:cSld>
-    <p:bg>
-      <p:bgPr>
-        <a:blipFill>
-          <a:blip r:embed="rId2"/>
-          <a:stretch/>
-        </a:blipFill>
-        <a:effectLst/>
-      </p:bgPr>
-    </p:bg>
-    <p:spTree>
-      <p:nvGrpSpPr>
-        <p:cNvPr id="1" name=""/>
-        <p:cNvGrpSpPr/>
-        <p:nvPr/>
-      </p:nvGrpSpPr>
-      <p:grpSpPr>
-        <a:xfrm>
-          <a:off x="0" y="0"/>
-          <a:ext cx="0" cy="0"/>
-          <a:chOff x="0" y="0"/>
-          <a:chExt cx="0" cy="0"/>
-        </a:xfrm>
-      </p:grpSpPr>
-      <p:sp useBgFill="1">
-        <p:nvSpPr>
-          <p:cNvPr id="9" name="Rectangle 8">
-            <a:extLst>
-              <a:ext uri="{FF2B5EF4-FFF2-40B4-BE49-F238E27FC236}">
-                <a16:creationId xmlns:a16="http://schemas.microsoft.com/office/drawing/2014/main" id="{C44B17FE-2E14-47B6-B5A8-4363DE76952D}"/>
-              </a:ext>
-              <a:ext uri="{C183D7F6-B498-43B3-948B-1728B52AA6E4}">
-                <adec:decorative xmlns:adec="http://schemas.microsoft.com/office/drawing/2017/decorative" val="1"/>
-              </a:ext>
-            </a:extLst>
-          </p:cNvPr>
-          <p:cNvSpPr>
-            <a:spLocks noGrp="1" noRot="1" noChangeAspect="1" noMove="1" noResize="1" noEditPoints="1" noAdjustHandles="1" noChangeArrowheads="1" noChangeShapeType="1" noTextEdit="1"/>
-          </p:cNvSpPr>
-          <p:nvPr>
-            <p:extLst>
-              <p:ext uri="{386F3935-93C4-4BCD-93E2-E3B085C9AB24}">
-                <p16:designElem xmlns:p16="http://schemas.microsoft.com/office/powerpoint/2015/main" val="1"/>
-              </p:ext>
-            </p:extLst>
-          </p:nvPr>
-        </p:nvSpPr>
-        <p:spPr>
-          <a:xfrm>
-            <a:off x="0" y="0"/>
-            <a:ext cx="12192000" cy="6858000"/>
-          </a:xfrm>
-          <a:prstGeom prst="rect">
-            <a:avLst/>
-          </a:prstGeom>
-          <a:ln>
-            <a:noFill/>
-          </a:ln>
-        </p:spPr>
-        <p:style>
-          <a:lnRef idx="2">
-            <a:schemeClr val="accent1">
-              <a:shade val="50000"/>
-            </a:schemeClr>
-          </a:lnRef>
-          <a:fillRef idx="1">
-            <a:schemeClr val="accent1"/>
-          </a:fillRef>
-          <a:effectRef idx="0">
-            <a:schemeClr val="accent1"/>
-          </a:effectRef>
-          <a:fontRef idx="minor">
-            <a:schemeClr val="lt1"/>
-          </a:fontRef>
-        </p:style>
-        <p:txBody>
-          <a:bodyPr rtlCol="0" anchor="ctr"/>
-          <a:lstStyle/>
-          <a:p>
-            <a:pPr algn="ctr"/>
-            <a:endParaRPr lang="en-US"/>
-          </a:p>
-        </p:txBody>
-      </p:sp>
-      <p:sp>
-        <p:nvSpPr>
-          <p:cNvPr id="11" name="Rectangle 10">
-            <a:extLst>
-              <a:ext uri="{FF2B5EF4-FFF2-40B4-BE49-F238E27FC236}">
-                <a16:creationId xmlns:a16="http://schemas.microsoft.com/office/drawing/2014/main" id="{14E53280-E6EB-47D2-B0BB-78B772DC4B90}"/>
-              </a:ext>
-              <a:ext uri="{C183D7F6-B498-43B3-948B-1728B52AA6E4}">
-                <adec:decorative xmlns:adec="http://schemas.microsoft.com/office/drawing/2017/decorative" val="1"/>
-              </a:ext>
-            </a:extLst>
-          </p:cNvPr>
-          <p:cNvSpPr>
-            <a:spLocks noGrp="1" noRot="1" noChangeAspect="1" noMove="1" noResize="1" noEditPoints="1" noAdjustHandles="1" noChangeArrowheads="1" noChangeShapeType="1" noTextEdit="1"/>
-          </p:cNvSpPr>
-          <p:nvPr>
-            <p:extLst>
-              <p:ext uri="{386F3935-93C4-4BCD-93E2-E3B085C9AB24}">
-                <p16:designElem xmlns:p16="http://schemas.microsoft.com/office/powerpoint/2015/main" val="1"/>
-              </p:ext>
-            </p:extLst>
-          </p:nvPr>
-        </p:nvSpPr>
-        <p:spPr>
-          <a:xfrm>
-            <a:off x="474663" y="469900"/>
-            <a:ext cx="3695002" cy="5918200"/>
-          </a:xfrm>
-          <a:prstGeom prst="rect">
-            <a:avLst/>
-          </a:prstGeom>
-          <a:solidFill>
-            <a:srgbClr val="373737"/>
-          </a:solidFill>
-          <a:ln>
-            <a:noFill/>
-          </a:ln>
-          <a:effectLst>
-            <a:outerShdw blurRad="50800" dist="38100" dir="5400000" algn="t" rotWithShape="0">
-              <a:prstClr val="black">
-                <a:alpha val="40000"/>
-              </a:prstClr>
-            </a:outerShdw>
-          </a:effectLst>
-          <a:scene3d>
-            <a:camera prst="orthographicFront"/>
-            <a:lightRig rig="balanced" dir="t"/>
-          </a:scene3d>
-          <a:sp3d>
-            <a:bevelT w="6350" h="6350"/>
-          </a:sp3d>
-        </p:spPr>
-        <p:style>
-          <a:lnRef idx="2">
-            <a:schemeClr val="accent1">
-              <a:shade val="50000"/>
-            </a:schemeClr>
-          </a:lnRef>
-          <a:fillRef idx="1">
-            <a:schemeClr val="accent1"/>
-          </a:fillRef>
-          <a:effectRef idx="0">
-            <a:schemeClr val="accent1"/>
-          </a:effectRef>
-          <a:fontRef idx="minor">
-            <a:schemeClr val="lt1"/>
-          </a:fontRef>
-        </p:style>
-        <p:txBody>
-          <a:bodyPr rtlCol="0" anchor="ctr"/>
-          <a:lstStyle/>
-          <a:p>
-            <a:pPr algn="ctr"/>
-            <a:endParaRPr lang="en-US"/>
-          </a:p>
-        </p:txBody>
-      </p:sp>
-      <p:sp>
-        <p:nvSpPr>
-          <p:cNvPr id="2" name="Title 1"/>
-          <p:cNvSpPr>
-            <a:spLocks noGrp="1"/>
-          </p:cNvSpPr>
-          <p:nvPr>
-            <p:ph type="title"/>
-          </p:nvPr>
-        </p:nvSpPr>
-        <p:spPr>
-          <a:xfrm>
-            <a:off x="952108" y="954756"/>
-            <a:ext cx="2730414" cy="4946003"/>
-          </a:xfrm>
-        </p:spPr>
-        <p:txBody>
-          <a:bodyPr>
-            <a:normAutofit/>
-          </a:bodyPr>
-          <a:lstStyle/>
-          <a:p>
-            <a:r>
-              <a:rPr lang="en-US" sz="3600" dirty="0">
-                <a:solidFill>
-                  <a:srgbClr val="FFFFFF"/>
-                </a:solidFill>
-              </a:rPr>
-              <a:t>What’s next?</a:t>
-            </a:r>
-          </a:p>
-        </p:txBody>
-      </p:sp>
-      <p:sp>
-        <p:nvSpPr>
-          <p:cNvPr id="13" name="Rectangle 12">
-            <a:extLst>
-              <a:ext uri="{FF2B5EF4-FFF2-40B4-BE49-F238E27FC236}">
-                <a16:creationId xmlns:a16="http://schemas.microsoft.com/office/drawing/2014/main" id="{E44C4738-31FA-4AA4-9D3A-9B0F0B1F5FBC}"/>
-              </a:ext>
-              <a:ext uri="{C183D7F6-B498-43B3-948B-1728B52AA6E4}">
-                <adec:decorative xmlns:adec="http://schemas.microsoft.com/office/drawing/2017/decorative" val="1"/>
-              </a:ext>
-            </a:extLst>
-          </p:cNvPr>
-          <p:cNvSpPr>
-            <a:spLocks noGrp="1" noRot="1" noChangeAspect="1" noMove="1" noResize="1" noEditPoints="1" noAdjustHandles="1" noChangeArrowheads="1" noChangeShapeType="1" noTextEdit="1"/>
-          </p:cNvSpPr>
-          <p:nvPr>
-            <p:extLst>
-              <p:ext uri="{386F3935-93C4-4BCD-93E2-E3B085C9AB24}">
-                <p16:designElem xmlns:p16="http://schemas.microsoft.com/office/powerpoint/2015/main" val="1"/>
-              </p:ext>
-            </p:extLst>
-          </p:nvPr>
-        </p:nvSpPr>
-        <p:spPr>
-          <a:xfrm>
-            <a:off x="639668" y="635508"/>
-            <a:ext cx="3364992" cy="5586984"/>
-          </a:xfrm>
-          <a:prstGeom prst="rect">
-            <a:avLst/>
-          </a:prstGeom>
-          <a:noFill/>
-          <a:ln w="15875" cap="flat">
-            <a:solidFill>
-              <a:schemeClr val="accent1"/>
-            </a:solidFill>
-            <a:miter lim="800000"/>
-          </a:ln>
-          <a:effectLst/>
-        </p:spPr>
-        <p:style>
-          <a:lnRef idx="1">
-            <a:schemeClr val="accent1"/>
-          </a:lnRef>
-          <a:fillRef idx="3">
-            <a:schemeClr val="accent1"/>
-          </a:fillRef>
-          <a:effectRef idx="2">
-            <a:schemeClr val="accent1"/>
-          </a:effectRef>
-          <a:fontRef idx="minor">
-            <a:schemeClr val="lt1"/>
-          </a:fontRef>
-        </p:style>
-      </p:sp>
-      <p:sp>
-        <p:nvSpPr>
-          <p:cNvPr id="15" name="Rectangle 14">
-            <a:extLst>
-              <a:ext uri="{FF2B5EF4-FFF2-40B4-BE49-F238E27FC236}">
-                <a16:creationId xmlns:a16="http://schemas.microsoft.com/office/drawing/2014/main" id="{809F3F69-CB9E-4C14-8F9B-7565980C8770}"/>
-              </a:ext>
-              <a:ext uri="{C183D7F6-B498-43B3-948B-1728B52AA6E4}">
-                <adec:decorative xmlns:adec="http://schemas.microsoft.com/office/drawing/2017/decorative" val="1"/>
-              </a:ext>
-            </a:extLst>
-          </p:cNvPr>
-          <p:cNvSpPr>
-            <a:spLocks noGrp="1" noRot="1" noChangeAspect="1" noMove="1" noResize="1" noEditPoints="1" noAdjustHandles="1" noChangeArrowheads="1" noChangeShapeType="1" noTextEdit="1"/>
-          </p:cNvSpPr>
-          <p:nvPr>
-            <p:extLst>
-              <p:ext uri="{386F3935-93C4-4BCD-93E2-E3B085C9AB24}">
-                <p16:designElem xmlns:p16="http://schemas.microsoft.com/office/powerpoint/2015/main" val="1"/>
-              </p:ext>
-            </p:extLst>
-          </p:nvPr>
-        </p:nvSpPr>
-        <p:spPr>
-          <a:xfrm>
-            <a:off x="4654296" y="0"/>
-            <a:ext cx="7537704" cy="6858000"/>
-          </a:xfrm>
-          <a:prstGeom prst="rect">
-            <a:avLst/>
-          </a:prstGeom>
-          <a:gradFill>
-            <a:gsLst>
-              <a:gs pos="0">
-                <a:srgbClr val="FFFFFF"/>
-              </a:gs>
-              <a:gs pos="30000">
-                <a:srgbClr val="FFFFFF"/>
-              </a:gs>
-              <a:gs pos="61000">
-                <a:srgbClr val="F8F8F8"/>
-              </a:gs>
-              <a:gs pos="97000">
-                <a:srgbClr val="E5E5E5"/>
-              </a:gs>
-            </a:gsLst>
-            <a:path path="circle">
-              <a:fillToRect l="50000" t="50000" r="50000" b="50000"/>
-            </a:path>
-          </a:gradFill>
-          <a:ln>
-            <a:noFill/>
-          </a:ln>
-          <a:effectLst>
-            <a:innerShdw blurRad="63500" dist="12700" dir="10800000">
-              <a:prstClr val="black">
-                <a:alpha val="35000"/>
-              </a:prstClr>
-            </a:innerShdw>
-          </a:effectLst>
-        </p:spPr>
-        <p:style>
-          <a:lnRef idx="2">
-            <a:schemeClr val="accent1">
-              <a:shade val="50000"/>
-            </a:schemeClr>
-          </a:lnRef>
-          <a:fillRef idx="1">
-            <a:schemeClr val="accent1"/>
-          </a:fillRef>
-          <a:effectRef idx="0">
-            <a:schemeClr val="accent1"/>
-          </a:effectRef>
-          <a:fontRef idx="minor">
-            <a:schemeClr val="lt1"/>
-          </a:fontRef>
-        </p:style>
-        <p:txBody>
-          <a:bodyPr rtlCol="0" anchor="ctr"/>
-          <a:lstStyle/>
-          <a:p>
-            <a:pPr algn="ctr"/>
-            <a:endParaRPr lang="en-US"/>
-          </a:p>
-        </p:txBody>
-      </p:sp>
-      <p:sp>
-        <p:nvSpPr>
-          <p:cNvPr id="3" name="Content Placeholder 2"/>
-          <p:cNvSpPr>
-            <a:spLocks noGrp="1"/>
-          </p:cNvSpPr>
-          <p:nvPr>
-            <p:ph type="body" idx="1"/>
-          </p:nvPr>
-        </p:nvSpPr>
-        <p:spPr>
-          <a:xfrm>
-            <a:off x="5140934" y="469900"/>
-            <a:ext cx="5953630" cy="5405968"/>
-          </a:xfrm>
-        </p:spPr>
-        <p:txBody>
-          <a:bodyPr anchor="ctr">
-            <a:noAutofit/>
-          </a:bodyPr>
-          <a:lstStyle/>
-          <a:p>
-            <a:r>
-              <a:rPr lang="en-US" sz="3600" dirty="0">
-                <a:solidFill>
-                  <a:srgbClr val="212121"/>
-                </a:solidFill>
-              </a:rPr>
-              <a:t>Deep dive in accessing java classes using reflection</a:t>
-            </a:r>
           </a:p>
           <a:p>
             <a:r>
@@ -10576,7 +8402,7 @@
 </p:sld>
 </file>
 
-<file path=ppt/slides/slide9.xml><?xml version="1.0" encoding="utf-8"?>
+<file path=ppt/slides/slide7.xml><?xml version="1.0" encoding="utf-8"?>
 <p:sld xmlns:a="http://schemas.openxmlformats.org/drawingml/2006/main" xmlns:r="http://schemas.openxmlformats.org/officeDocument/2006/relationships" xmlns:p="http://schemas.openxmlformats.org/presentationml/2006/main">
   <p:cSld>
     <p:bg>
@@ -11099,207 +8925,6 @@
 </file>
 
 <file path=ppt/theme/theme2.xml><?xml version="1.0" encoding="utf-8"?>
-<a:theme xmlns:a="http://schemas.openxmlformats.org/drawingml/2006/main" name="QuickStarter Theme">
-  <a:themeElements>
-    <a:clrScheme name="Office">
-      <a:dk1>
-        <a:sysClr val="windowText" lastClr="000000"/>
-      </a:dk1>
-      <a:lt1>
-        <a:sysClr val="window" lastClr="FFFFFF"/>
-      </a:lt1>
-      <a:dk2>
-        <a:srgbClr val="44546A"/>
-      </a:dk2>
-      <a:lt2>
-        <a:srgbClr val="E7E6E6"/>
-      </a:lt2>
-      <a:accent1>
-        <a:srgbClr val="4472C4"/>
-      </a:accent1>
-      <a:accent2>
-        <a:srgbClr val="ED7D31"/>
-      </a:accent2>
-      <a:accent3>
-        <a:srgbClr val="A5A5A5"/>
-      </a:accent3>
-      <a:accent4>
-        <a:srgbClr val="FFC000"/>
-      </a:accent4>
-      <a:accent5>
-        <a:srgbClr val="5B9BD5"/>
-      </a:accent5>
-      <a:accent6>
-        <a:srgbClr val="70AD47"/>
-      </a:accent6>
-      <a:hlink>
-        <a:srgbClr val="0563C1"/>
-      </a:hlink>
-      <a:folHlink>
-        <a:srgbClr val="954F72"/>
-      </a:folHlink>
-    </a:clrScheme>
-    <a:fontScheme name="Custom 4">
-      <a:majorFont>
-        <a:latin typeface="Segoe UI"/>
-        <a:ea typeface=""/>
-        <a:cs typeface=""/>
-      </a:majorFont>
-      <a:minorFont>
-        <a:latin typeface="Segoe UI"/>
-        <a:ea typeface=""/>
-        <a:cs typeface=""/>
-      </a:minorFont>
-    </a:fontScheme>
-    <a:fmtScheme name="Office">
-      <a:fillStyleLst>
-        <a:solidFill>
-          <a:schemeClr val="phClr"/>
-        </a:solidFill>
-        <a:gradFill rotWithShape="1">
-          <a:gsLst>
-            <a:gs pos="0">
-              <a:schemeClr val="phClr">
-                <a:lumMod val="110000"/>
-                <a:satMod val="105000"/>
-                <a:tint val="67000"/>
-              </a:schemeClr>
-            </a:gs>
-            <a:gs pos="50000">
-              <a:schemeClr val="phClr">
-                <a:lumMod val="105000"/>
-                <a:satMod val="103000"/>
-                <a:tint val="73000"/>
-              </a:schemeClr>
-            </a:gs>
-            <a:gs pos="100000">
-              <a:schemeClr val="phClr">
-                <a:lumMod val="105000"/>
-                <a:satMod val="109000"/>
-                <a:tint val="81000"/>
-              </a:schemeClr>
-            </a:gs>
-          </a:gsLst>
-          <a:lin ang="5400000" scaled="0"/>
-        </a:gradFill>
-        <a:gradFill rotWithShape="1">
-          <a:gsLst>
-            <a:gs pos="0">
-              <a:schemeClr val="phClr">
-                <a:satMod val="103000"/>
-                <a:lumMod val="102000"/>
-                <a:tint val="94000"/>
-              </a:schemeClr>
-            </a:gs>
-            <a:gs pos="50000">
-              <a:schemeClr val="phClr">
-                <a:satMod val="110000"/>
-                <a:lumMod val="100000"/>
-                <a:shade val="100000"/>
-              </a:schemeClr>
-            </a:gs>
-            <a:gs pos="100000">
-              <a:schemeClr val="phClr">
-                <a:lumMod val="99000"/>
-                <a:satMod val="120000"/>
-                <a:shade val="78000"/>
-              </a:schemeClr>
-            </a:gs>
-          </a:gsLst>
-          <a:lin ang="5400000" scaled="0"/>
-        </a:gradFill>
-      </a:fillStyleLst>
-      <a:lnStyleLst>
-        <a:ln w="6350" cap="flat" cmpd="sng" algn="ctr">
-          <a:solidFill>
-            <a:schemeClr val="phClr"/>
-          </a:solidFill>
-          <a:prstDash val="solid"/>
-          <a:miter lim="800000"/>
-        </a:ln>
-        <a:ln w="12700" cap="flat" cmpd="sng" algn="ctr">
-          <a:solidFill>
-            <a:schemeClr val="phClr"/>
-          </a:solidFill>
-          <a:prstDash val="solid"/>
-          <a:miter lim="800000"/>
-        </a:ln>
-        <a:ln w="19050" cap="flat" cmpd="sng" algn="ctr">
-          <a:solidFill>
-            <a:schemeClr val="phClr"/>
-          </a:solidFill>
-          <a:prstDash val="solid"/>
-          <a:miter lim="800000"/>
-        </a:ln>
-      </a:lnStyleLst>
-      <a:effectStyleLst>
-        <a:effectStyle>
-          <a:effectLst/>
-        </a:effectStyle>
-        <a:effectStyle>
-          <a:effectLst/>
-        </a:effectStyle>
-        <a:effectStyle>
-          <a:effectLst>
-            <a:outerShdw blurRad="57150" dist="19050" dir="5400000" algn="ctr" rotWithShape="0">
-              <a:srgbClr val="000000">
-                <a:alpha val="63000"/>
-              </a:srgbClr>
-            </a:outerShdw>
-          </a:effectLst>
-        </a:effectStyle>
-      </a:effectStyleLst>
-      <a:bgFillStyleLst>
-        <a:solidFill>
-          <a:schemeClr val="phClr"/>
-        </a:solidFill>
-        <a:solidFill>
-          <a:schemeClr val="phClr">
-            <a:tint val="95000"/>
-            <a:satMod val="170000"/>
-          </a:schemeClr>
-        </a:solidFill>
-        <a:gradFill rotWithShape="1">
-          <a:gsLst>
-            <a:gs pos="0">
-              <a:schemeClr val="phClr">
-                <a:tint val="93000"/>
-                <a:satMod val="150000"/>
-                <a:shade val="98000"/>
-                <a:lumMod val="102000"/>
-              </a:schemeClr>
-            </a:gs>
-            <a:gs pos="50000">
-              <a:schemeClr val="phClr">
-                <a:tint val="98000"/>
-                <a:satMod val="130000"/>
-                <a:shade val="90000"/>
-                <a:lumMod val="103000"/>
-              </a:schemeClr>
-            </a:gs>
-            <a:gs pos="100000">
-              <a:schemeClr val="phClr">
-                <a:shade val="63000"/>
-                <a:satMod val="120000"/>
-              </a:schemeClr>
-            </a:gs>
-          </a:gsLst>
-          <a:lin ang="5400000" scaled="0"/>
-        </a:gradFill>
-      </a:bgFillStyleLst>
-    </a:fmtScheme>
-  </a:themeElements>
-  <a:objectDefaults/>
-  <a:extraClrSchemeLst/>
-  <a:extLst>
-    <a:ext uri="{05A4C25C-085E-4340-85A3-A5531E510DB2}">
-      <thm15:themeFamily xmlns:thm15="http://schemas.microsoft.com/office/thememl/2012/main" name="Office Theme" id="{62F939B6-93AF-4DB8-9C6B-D6C7DFDC589F}" vid="{4A3C46E8-61CC-4603-A589-7422A47A8E4A}"/>
-    </a:ext>
-  </a:extLst>
-</a:theme>
-</file>
-
-<file path=ppt/theme/theme3.xml><?xml version="1.0" encoding="utf-8"?>
 <a:theme xmlns:a="http://schemas.openxmlformats.org/drawingml/2006/main" name="Office Theme">
   <a:themeElements>
     <a:clrScheme name="Office">
